--- a/_site/materials/module-3/M3-S7-Quarto/M3-S7-Quarto-slides.pptx
+++ b/_site/materials/module-3/M3-S7-Quarto/M3-S7-Quarto-slides.pptx
@@ -5,7 +5,7 @@
     <p:sldMasterId id="2147483648" r:id="rId1"/>
   </p:sldMasterIdLst>
   <p:notesMasterIdLst>
-    <p:notesMasterId r:id="rId47"/>
+    <p:notesMasterId r:id="rId49"/>
   </p:notesMasterIdLst>
   <p:sldIdLst>
     <p:sldId id="256" r:id="rId2"/>
@@ -53,6 +53,8 @@
     <p:sldId id="298" r:id="rId44"/>
     <p:sldId id="299" r:id="rId45"/>
     <p:sldId id="300" r:id="rId46"/>
+    <p:sldId id="301" r:id="rId47"/>
+    <p:sldId id="302" r:id="rId48"/>
   </p:sldIdLst>
   <p:sldSz cx="9144000" cy="5143500" type="screen16x9"/>
   <p:notesSz cx="6858000" cy="9144000"/>
@@ -590,7 +592,7 @@
           <a:p>
             <a:fld id="{18BDFEC3-8487-43E8-A154-7C12CBC1FFF2}" type="slidenum">
               <a:rPr lang="en-US"/>
-              <a:t>7</a:t>
+              <a:t>9</a:t>
             </a:fld>
             <a:endParaRPr lang="en-US"/>
           </a:p>
@@ -672,7 +674,7 @@
           <a:p>
             <a:fld id="{18BDFEC3-8487-43E8-A154-7C12CBC1FFF2}" type="slidenum">
               <a:rPr lang="en-US"/>
-              <a:t>10</a:t>
+              <a:t>12</a:t>
             </a:fld>
             <a:endParaRPr lang="en-US"/>
           </a:p>
@@ -754,7 +756,7 @@
           <a:p>
             <a:fld id="{18BDFEC3-8487-43E8-A154-7C12CBC1FFF2}" type="slidenum">
               <a:rPr lang="en-US"/>
-              <a:t>11</a:t>
+              <a:t>13</a:t>
             </a:fld>
             <a:endParaRPr lang="en-US"/>
           </a:p>
@@ -836,7 +838,7 @@
           <a:p>
             <a:fld id="{18BDFEC3-8487-43E8-A154-7C12CBC1FFF2}" type="slidenum">
               <a:rPr lang="en-US"/>
-              <a:t>17</a:t>
+              <a:t>19</a:t>
             </a:fld>
             <a:endParaRPr lang="en-US"/>
           </a:p>
@@ -3839,7 +3841,7 @@
             </a:pPr>
             <a:r>
               <a:rPr/>
-              <a:t>Title of Submodule</a:t>
+              <a:t>Template Slides: Title of Submodule</a:t>
             </a:r>
           </a:p>
         </p:txBody>
@@ -3896,7 +3898,7 @@
             </a:pPr>
             <a:r>
               <a:rPr/>
-              <a:t>26/06/2025</a:t>
+              <a:t>13/08/2025</a:t>
             </a:r>
           </a:p>
         </p:txBody>
@@ -3946,7 +3948,7 @@
             </a:pPr>
             <a:r>
               <a:rPr b="1"/>
-              <a:t>Key terms and definitions</a:t>
+              <a:t>Where are we at?</a:t>
             </a:r>
           </a:p>
           <a:p>
@@ -3957,40 +3959,14 @@
             </a:r>
             <a:r>
               <a:rPr/>
-              <a:t>: Introduce key terms and definitions that students will come across throughout the session. </a:t>
+              <a:t>: Place the topic of the current submodule within a broader context.</a:t>
             </a:r>
           </a:p>
           <a:p>
             <a:pPr lvl="0"/>
             <a:r>
-              <a:rPr b="1"/>
-              <a:t>Key Term 1</a:t>
-            </a:r>
-            <a:r>
-              <a:rPr/>
-              <a:t>: Definition</a:t>
-            </a:r>
-          </a:p>
-          <a:p>
-            <a:pPr lvl="0"/>
-            <a:r>
-              <a:rPr b="1"/>
-              <a:t>Key Term 2</a:t>
-            </a:r>
-            <a:r>
-              <a:rPr/>
-              <a:t>: Definition</a:t>
-            </a:r>
-          </a:p>
-          <a:p>
-            <a:pPr lvl="0"/>
-            <a:r>
-              <a:rPr b="1"/>
-              <a:t>Key Term 3</a:t>
-            </a:r>
-            <a:r>
-              <a:rPr/>
-              <a:t>: Definition</a:t>
+              <a:rPr/>
+              <a:t>Remind students what you are working towards and what the bigger picture is.</a:t>
             </a:r>
           </a:p>
         </p:txBody>
@@ -4040,7 +4016,7 @@
             </a:pPr>
             <a:r>
               <a:rPr b="1"/>
-              <a:t>Introduction of submodule topic</a:t>
+              <a:t>Learning goals</a:t>
             </a:r>
           </a:p>
           <a:p>
@@ -4051,21 +4027,59 @@
             </a:r>
             <a:r>
               <a:rPr/>
-              <a:t>: Core theoretical introduction of submodule topic.</a:t>
+              <a:t>: Formulate specific, action-oriented goals learning goals which are measurable and observable in line with Bloom’s taxonomy (Anderson et al., 2001; Bloom et al., 1956)</a:t>
             </a:r>
           </a:p>
           <a:p>
             <a:pPr lvl="0"/>
             <a:r>
               <a:rPr/>
-              <a:t>Pair theoretical aspects with practical exercises and group discussions according to the Think-Pair-Share style and according to Cognitive Load Theory (Sweller, 1980).</a:t>
+              <a:t>Place an emphasis on the </a:t>
+            </a:r>
+            <a:r>
+              <a:rPr b="1"/>
+              <a:t>verbs</a:t>
+            </a:r>
+            <a:r>
+              <a:rPr/>
+              <a:t> of the learning goals and choose verbs that align with the skills you want to develop or assess.</a:t>
             </a:r>
           </a:p>
           <a:p>
             <a:pPr lvl="0"/>
             <a:r>
               <a:rPr/>
-              <a:t>Use multiple slides for this part.</a:t>
+              <a:t>Examples:</a:t>
+            </a:r>
+          </a:p>
+          <a:p>
+            <a:pPr lvl="1"/>
+            <a:r>
+              <a:rPr/>
+              <a:t>Students will </a:t>
+            </a:r>
+            <a:r>
+              <a:rPr b="1"/>
+              <a:t>describe</a:t>
+            </a:r>
+            <a:r>
+              <a:rPr/>
+              <a:t> the process of photosynthesis or</a:t>
+            </a:r>
+          </a:p>
+          <a:p>
+            <a:pPr lvl="1"/>
+            <a:r>
+              <a:rPr/>
+              <a:t>Students will </a:t>
+            </a:r>
+            <a:r>
+              <a:rPr b="1"/>
+              <a:t>construct</a:t>
+            </a:r>
+            <a:r>
+              <a:rPr/>
+              <a:t> a diagram illustrating the process of photosynthesis</a:t>
             </a:r>
           </a:p>
         </p:txBody>
@@ -4115,7 +4129,7 @@
             </a:pPr>
             <a:r>
               <a:rPr b="1"/>
-              <a:t>Submodule content slide</a:t>
+              <a:t>Key terms and definitions</a:t>
             </a:r>
           </a:p>
           <a:p>
@@ -4126,50 +4140,40 @@
             </a:r>
             <a:r>
               <a:rPr/>
-              <a:t>: Present relevant content</a:t>
+              <a:t>: Introduce key terms and definitions that students will come across throughout the session. </a:t>
             </a:r>
           </a:p>
           <a:p>
             <a:pPr lvl="0"/>
             <a:r>
-              <a:rPr/>
-              <a:t>Highlight particularly important aspects with Quarto call-out boxes, for example:</a:t>
-            </a:r>
-          </a:p>
-          <a:p>
-            <a:pPr lvl="0" indent="0" marL="1270000">
-              <a:buNone/>
-            </a:pPr>
-            <a:r>
-              <a:rPr sz="2000" b="1"/>
-              <a:t>Important with Title</a:t>
-            </a:r>
-          </a:p>
-          <a:p>
-            <a:pPr lvl="0" indent="0" marL="1270000">
-              <a:buNone/>
-            </a:pPr>
-            <a:r>
-              <a:rPr sz="2000"/>
-              <a:t>This is an example of a callout box to highlight particularly important information.</a:t>
-            </a:r>
-          </a:p>
-          <a:p>
-            <a:pPr lvl="0" indent="0" marL="1270000">
-              <a:buNone/>
-            </a:pPr>
-            <a:r>
-              <a:rPr sz="2000" b="1"/>
-              <a:t>Tip with Title</a:t>
-            </a:r>
-          </a:p>
-          <a:p>
-            <a:pPr lvl="0" indent="0" marL="1270000">
-              <a:buNone/>
-            </a:pPr>
-            <a:r>
-              <a:rPr sz="2000"/>
-              <a:t>This is an example of a callout box to give important tips.</a:t>
+              <a:rPr b="1"/>
+              <a:t>Key Term 1</a:t>
+            </a:r>
+            <a:r>
+              <a:rPr/>
+              <a:t>: Definition</a:t>
+            </a:r>
+          </a:p>
+          <a:p>
+            <a:pPr lvl="0"/>
+            <a:r>
+              <a:rPr b="1"/>
+              <a:t>Key Term 2</a:t>
+            </a:r>
+            <a:r>
+              <a:rPr/>
+              <a:t>: Definition</a:t>
+            </a:r>
+          </a:p>
+          <a:p>
+            <a:pPr lvl="0"/>
+            <a:r>
+              <a:rPr b="1"/>
+              <a:t>Key Term 3</a:t>
+            </a:r>
+            <a:r>
+              <a:rPr/>
+              <a:t>: Definition</a:t>
             </a:r>
           </a:p>
         </p:txBody>
@@ -4219,7 +4223,7 @@
             </a:pPr>
             <a:r>
               <a:rPr b="1"/>
-              <a:t>Pre-break survey</a:t>
+              <a:t>Introduction of submodule topic</a:t>
             </a:r>
           </a:p>
           <a:p>
@@ -4230,68 +4234,21 @@
             </a:r>
             <a:r>
               <a:rPr/>
-              <a:t>: This pre-break survey serves to examine students’ current understanding of key concepts of the submodule</a:t>
-            </a:r>
-          </a:p>
-          <a:p>
-            <a:pPr lvl="0" indent="0" marL="0">
-              <a:spcBef>
-                <a:spcPts val="3000"/>
-              </a:spcBef>
-              <a:buNone/>
-            </a:pPr>
-            <a:r>
-              <a:rPr b="1"/>
-              <a:t>Use free survey software such as or other survey software (particify, formR) to establish the following questions (shown on separate slides):</a:t>
-            </a:r>
-          </a:p>
-          <a:p>
-            <a:pPr lvl="0" indent="0" marL="0">
-              <a:buNone/>
-            </a:pPr>
-            <a:r>
-              <a:rPr b="1"/>
-              <a:t>Which species is the largest type of penguin</a:t>
-            </a:r>
-            <a:r>
-              <a:rPr/>
-              <a:t>?</a:t>
-            </a:r>
-          </a:p>
-          <a:p>
-            <a:pPr lvl="0" indent="-342900" marL="342900">
-              <a:buAutoNum type="alphaLcPeriod"/>
-            </a:pPr>
-            <a:r>
-              <a:rPr/>
-              <a:t>Chinstrap Penguin</a:t>
-            </a:r>
-          </a:p>
-          <a:p>
-            <a:pPr lvl="0" indent="-342900" marL="342900">
-              <a:buAutoNum type="alphaLcPeriod"/>
-            </a:pPr>
-            <a:r>
-              <a:rPr/>
-              <a:t>Emperor Penguin ✅</a:t>
-            </a:r>
-          </a:p>
-          <a:p>
-            <a:pPr lvl="0" indent="-342900" marL="342900">
-              <a:buAutoNum type="alphaLcPeriod"/>
-            </a:pPr>
-            <a:r>
-              <a:rPr/>
-              <a:t>Adélie Penguin</a:t>
-            </a:r>
-          </a:p>
-          <a:p>
-            <a:pPr lvl="0" indent="-342900" marL="342900">
-              <a:buAutoNum type="alphaLcPeriod"/>
-            </a:pPr>
-            <a:r>
-              <a:rPr/>
-              <a:t>King Penguin</a:t>
+              <a:t>: Core theoretical introduction of submodule topic.</a:t>
+            </a:r>
+          </a:p>
+          <a:p>
+            <a:pPr lvl="0"/>
+            <a:r>
+              <a:rPr/>
+              <a:t>Pair theoretical aspects with practical exercises and group discussions according to the Think-Pair-Share style and according to Cognitive Load Theory (Sweller, 1980).</a:t>
+            </a:r>
+          </a:p>
+          <a:p>
+            <a:pPr lvl="0"/>
+            <a:r>
+              <a:rPr/>
+              <a:t>Use multiple slides for this part.</a:t>
             </a:r>
           </a:p>
         </p:txBody>
@@ -4334,47 +4291,68 @@
           <a:lstStyle/>
           <a:p>
             <a:pPr lvl="0" indent="0" marL="0">
+              <a:spcBef>
+                <a:spcPts val="3000"/>
+              </a:spcBef>
               <a:buNone/>
             </a:pPr>
             <a:r>
               <a:rPr b="1"/>
-              <a:t>What is the key biological feature that helps penguins swim efficiently?</a:t>
-            </a:r>
-          </a:p>
-          <a:p>
-            <a:pPr lvl="0" indent="-342900" marL="342900">
-              <a:buAutoNum type="alphaLcPeriod"/>
-            </a:pPr>
-            <a:r>
-              <a:rPr/>
-              <a:t>Hollow bones for buoyancy</a:t>
-            </a:r>
-          </a:p>
-          <a:p>
-            <a:pPr lvl="0" indent="-342900" marL="342900">
-              <a:buAutoNum type="alphaLcPeriod"/>
-            </a:pPr>
-            <a:r>
-              <a:rPr/>
-              <a:t>Webbed feet for paddling</a:t>
-            </a:r>
-          </a:p>
-          <a:p>
-            <a:pPr lvl="0" indent="-342900" marL="342900">
-              <a:buAutoNum type="alphaLcPeriod"/>
-            </a:pPr>
-            <a:r>
-              <a:rPr/>
-              <a:t>Waterproof feathers and flipper-like wings ✅</a:t>
-            </a:r>
-          </a:p>
-          <a:p>
-            <a:pPr lvl="0" indent="-342900" marL="342900">
-              <a:buAutoNum type="alphaLcPeriod"/>
-            </a:pPr>
-            <a:r>
-              <a:rPr/>
-              <a:t>Gills to breathe underwater</a:t>
+              <a:t>Submodule content slide</a:t>
+            </a:r>
+          </a:p>
+          <a:p>
+            <a:pPr lvl="0"/>
+            <a:r>
+              <a:rPr b="1"/>
+              <a:t>Aim</a:t>
+            </a:r>
+            <a:r>
+              <a:rPr/>
+              <a:t>: Present relevant content</a:t>
+            </a:r>
+          </a:p>
+          <a:p>
+            <a:pPr lvl="0"/>
+            <a:r>
+              <a:rPr/>
+              <a:t>Highlight particularly important aspects with Quarto call-out boxes, for example:</a:t>
+            </a:r>
+          </a:p>
+          <a:p>
+            <a:pPr lvl="0" indent="0" marL="1270000">
+              <a:buNone/>
+            </a:pPr>
+            <a:r>
+              <a:rPr sz="2000" b="1"/>
+              <a:t>Important with Title</a:t>
+            </a:r>
+          </a:p>
+          <a:p>
+            <a:pPr lvl="0" indent="0" marL="1270000">
+              <a:buNone/>
+            </a:pPr>
+            <a:r>
+              <a:rPr sz="2000"/>
+              <a:t>This is an example of a callout box to highlight particularly important information.</a:t>
+            </a:r>
+          </a:p>
+          <a:p>
+            <a:pPr lvl="0" indent="0" marL="1270000">
+              <a:buNone/>
+            </a:pPr>
+            <a:r>
+              <a:rPr sz="2000" b="1"/>
+              <a:t>Tip with Title</a:t>
+            </a:r>
+          </a:p>
+          <a:p>
+            <a:pPr lvl="0" indent="0" marL="1270000">
+              <a:buNone/>
+            </a:pPr>
+            <a:r>
+              <a:rPr sz="2000"/>
+              <a:t>This is an example of a callout box to give important tips.</a:t>
             </a:r>
           </a:p>
         </p:txBody>
@@ -4403,12 +4381,12 @@
       </p:grpSpPr>
       <p:sp>
         <p:nvSpPr>
-          <p:cNvPr id="2" name="Title 1"/>
-          <p:cNvSpPr>
-            <a:spLocks noGrp="1"/>
-          </p:cNvSpPr>
-          <p:nvPr>
-            <p:ph type="title"/>
+          <p:cNvPr id="3" name="Content Placeholder 2"/>
+          <p:cNvSpPr>
+            <a:spLocks noGrp="1"/>
+          </p:cNvSpPr>
+          <p:nvPr>
+            <p:ph idx="1"/>
           </p:nvPr>
         </p:nvSpPr>
         <p:spPr/>
@@ -4417,11 +4395,86 @@
           <a:lstStyle/>
           <a:p>
             <a:pPr lvl="0" indent="0" marL="0">
-              <a:buNone/>
-            </a:pPr>
-            <a:r>
-              <a:rPr/>
-              <a:t>Break! 15 minutes</a:t>
+              <a:spcBef>
+                <a:spcPts val="3000"/>
+              </a:spcBef>
+              <a:buNone/>
+            </a:pPr>
+            <a:r>
+              <a:rPr b="1"/>
+              <a:t>Pre-break survey</a:t>
+            </a:r>
+          </a:p>
+          <a:p>
+            <a:pPr lvl="0"/>
+            <a:r>
+              <a:rPr b="1"/>
+              <a:t>Aim</a:t>
+            </a:r>
+            <a:r>
+              <a:rPr/>
+              <a:t>: This pre-break survey serves to examine students’ current understanding of key concepts of the submodule</a:t>
+            </a:r>
+          </a:p>
+          <a:p>
+            <a:pPr lvl="0" indent="0" marL="0">
+              <a:spcBef>
+                <a:spcPts val="3000"/>
+              </a:spcBef>
+              <a:buNone/>
+            </a:pPr>
+            <a:r>
+              <a:rPr b="1"/>
+              <a:t>Use free survey software such as or other survey software (particify, formR) to establish the following questions (shown on separate slides):</a:t>
+            </a:r>
+          </a:p>
+          <a:p>
+            <a:pPr lvl="0" indent="0" marL="0">
+              <a:buNone/>
+            </a:pPr>
+            <a:r>
+              <a:rPr b="1"/>
+              <a:t>Which species is the largest type of penguin</a:t>
+            </a:r>
+            <a:r>
+              <a:rPr/>
+              <a:t>?</a:t>
+            </a:r>
+          </a:p>
+          <a:p>
+            <a:pPr lvl="0" indent="-342900" marL="342900">
+              <a:buAutoNum type="alphaLcPeriod"/>
+            </a:pPr>
+            <a:r>
+              <a:rPr/>
+              <a:t>Chinstrap Penguin</a:t>
+            </a:r>
+          </a:p>
+          <a:p>
+            <a:pPr lvl="0" indent="-342900" marL="342900">
+              <a:buAutoNum type="alphaLcPeriod"/>
+            </a:pPr>
+            <a:r>
+              <a:rPr/>
+              <a:t>Emperor Penguin ✅</a:t>
+            </a:r>
+          </a:p>
+          <a:p>
+            <a:pPr lvl="0" indent="-342900" marL="342900">
+              <a:buAutoNum type="alphaLcPeriod"/>
+            </a:pPr>
+            <a:r>
+              <a:rPr/>
+              <a:t>Adélie Penguin</a:t>
+            </a:r>
+          </a:p>
+          <a:p>
+            <a:pPr lvl="0" indent="-342900" marL="342900">
+              <a:buAutoNum type="alphaLcPeriod"/>
+            </a:pPr>
+            <a:r>
+              <a:rPr/>
+              <a:t>King Penguin</a:t>
             </a:r>
           </a:p>
         </p:txBody>
@@ -4464,32 +4517,47 @@
           <a:lstStyle/>
           <a:p>
             <a:pPr lvl="0" indent="0" marL="0">
-              <a:spcBef>
-                <a:spcPts val="3000"/>
-              </a:spcBef>
               <a:buNone/>
             </a:pPr>
             <a:r>
               <a:rPr b="1"/>
-              <a:t>Post-break survey discussion</a:t>
-            </a:r>
-          </a:p>
-          <a:p>
-            <a:pPr lvl="0"/>
-            <a:r>
-              <a:rPr b="1"/>
-              <a:t>Aim</a:t>
-            </a:r>
-            <a:r>
-              <a:rPr/>
-              <a:t>: To clarify concepts and aspects that are not yet understood</a:t>
-            </a:r>
-          </a:p>
-          <a:p>
-            <a:pPr lvl="0"/>
-            <a:r>
-              <a:rPr/>
-              <a:t>Highlight specific answers given during the survey</a:t>
+              <a:t>What is the key biological feature that helps penguins swim efficiently?</a:t>
+            </a:r>
+          </a:p>
+          <a:p>
+            <a:pPr lvl="0" indent="-342900" marL="342900">
+              <a:buAutoNum type="alphaLcPeriod"/>
+            </a:pPr>
+            <a:r>
+              <a:rPr/>
+              <a:t>Hollow bones for buoyancy</a:t>
+            </a:r>
+          </a:p>
+          <a:p>
+            <a:pPr lvl="0" indent="-342900" marL="342900">
+              <a:buAutoNum type="alphaLcPeriod"/>
+            </a:pPr>
+            <a:r>
+              <a:rPr/>
+              <a:t>Webbed feet for paddling</a:t>
+            </a:r>
+          </a:p>
+          <a:p>
+            <a:pPr lvl="0" indent="-342900" marL="342900">
+              <a:buAutoNum type="alphaLcPeriod"/>
+            </a:pPr>
+            <a:r>
+              <a:rPr/>
+              <a:t>Waterproof feathers and flipper-like wings ✅</a:t>
+            </a:r>
+          </a:p>
+          <a:p>
+            <a:pPr lvl="0" indent="-342900" marL="342900">
+              <a:buAutoNum type="alphaLcPeriod"/>
+            </a:pPr>
+            <a:r>
+              <a:rPr/>
+              <a:t>Gills to breathe underwater</a:t>
             </a:r>
           </a:p>
         </p:txBody>
@@ -4518,12 +4586,12 @@
       </p:grpSpPr>
       <p:sp>
         <p:nvSpPr>
-          <p:cNvPr id="3" name="Content Placeholder 2"/>
-          <p:cNvSpPr>
-            <a:spLocks noGrp="1"/>
-          </p:cNvSpPr>
-          <p:nvPr>
-            <p:ph idx="1"/>
+          <p:cNvPr id="2" name="Title 1"/>
+          <p:cNvSpPr>
+            <a:spLocks noGrp="1"/>
+          </p:cNvSpPr>
+          <p:nvPr>
+            <p:ph type="title"/>
           </p:nvPr>
         </p:nvSpPr>
         <p:spPr/>
@@ -4532,32 +4600,11 @@
           <a:lstStyle/>
           <a:p>
             <a:pPr lvl="0" indent="0" marL="0">
-              <a:spcBef>
-                <a:spcPts val="3000"/>
-              </a:spcBef>
-              <a:buNone/>
-            </a:pPr>
-            <a:r>
-              <a:rPr b="1"/>
-              <a:t>Practical exercises on topic</a:t>
-            </a:r>
-          </a:p>
-          <a:p>
-            <a:pPr lvl="0"/>
-            <a:r>
-              <a:rPr b="1"/>
-              <a:t>Aim</a:t>
-            </a:r>
-            <a:r>
-              <a:rPr/>
-              <a:t>: Design practical exercises for students to apply the new skills in practise.</a:t>
-            </a:r>
-          </a:p>
-          <a:p>
-            <a:pPr lvl="0"/>
-            <a:r>
-              <a:rPr/>
-              <a:t>Depending on the topic, the exercises should be in accordance with the learning objective(s).</a:t>
+              <a:buNone/>
+            </a:pPr>
+            <a:r>
+              <a:rPr/>
+              <a:t>Break! 15 minutes</a:t>
             </a:r>
           </a:p>
         </p:txBody>
@@ -4607,7 +4654,7 @@
             </a:pPr>
             <a:r>
               <a:rPr b="1"/>
-              <a:t>Relevance and implications</a:t>
+              <a:t>Post-break survey discussion</a:t>
             </a:r>
           </a:p>
           <a:p>
@@ -4618,21 +4665,14 @@
             </a:r>
             <a:r>
               <a:rPr/>
-              <a:t>: To work out the relevance of the topic to your students.</a:t>
+              <a:t>: To clarify concepts and aspects that are not yet understood</a:t>
             </a:r>
           </a:p>
           <a:p>
             <a:pPr lvl="0"/>
             <a:r>
               <a:rPr/>
-              <a:t>In an interactive setting, discuss how the new skills could be applied in practise with specific examples.</a:t>
-            </a:r>
-          </a:p>
-          <a:p>
-            <a:pPr lvl="0"/>
-            <a:r>
-              <a:rPr/>
-              <a:t>Examine downfalls and practical obstacles.</a:t>
+              <a:t>Highlight specific answers given during the survey</a:t>
             </a:r>
           </a:p>
         </p:txBody>
@@ -4682,38 +4722,25 @@
             </a:pPr>
             <a:r>
               <a:rPr b="1"/>
-              <a:t>Take-home message</a:t>
-            </a:r>
-          </a:p>
-          <a:p>
-            <a:pPr lvl="0" indent="0" marL="0">
-              <a:buNone/>
-            </a:pPr>
+              <a:t>Practical exercises on topic</a:t>
+            </a:r>
+          </a:p>
+          <a:p>
+            <a:pPr lvl="0"/>
             <a:r>
               <a:rPr b="1"/>
               <a:t>Aim</a:t>
             </a:r>
             <a:r>
               <a:rPr/>
-              <a:t>: End lesson on clear take-home message that are interactively compiled by students.</a:t>
-            </a:r>
-          </a:p>
-          <a:p>
-            <a:pPr lvl="0" indent="0" marL="1270000">
-              <a:buNone/>
-            </a:pPr>
-            <a:r>
-              <a:rPr sz="2000" b="1"/>
-              <a:t>Tip with Title</a:t>
-            </a:r>
-          </a:p>
-          <a:p>
-            <a:pPr lvl="0" indent="0" marL="1270000">
-              <a:buNone/>
-            </a:pPr>
-            <a:r>
-              <a:rPr sz="2000"/>
-              <a:t>Add one practical tips or take-home message.</a:t>
+              <a:t>: Design practical exercises for students to apply the new skills in practise.</a:t>
+            </a:r>
+          </a:p>
+          <a:p>
+            <a:pPr lvl="0"/>
+            <a:r>
+              <a:rPr/>
+              <a:t>Depending on the topic, the exercises should be in accordance with the learning objective(s).</a:t>
             </a:r>
           </a:p>
         </p:txBody>
@@ -4763,39 +4790,170 @@
             </a:pPr>
             <a:r>
               <a:rPr b="1"/>
-              <a:t>Questions from previous submodule</a:t>
+              <a:t>Credit statement and licence</a:t>
+            </a:r>
+          </a:p>
+          <a:p>
+            <a:pPr lvl="0" indent="0" marL="0">
+              <a:buNone/>
+            </a:pPr>
+            <a:r>
+              <a:rPr/>
+              <a:t>Possible roles using the CRediT contribition system:</a:t>
             </a:r>
           </a:p>
           <a:p>
             <a:pPr lvl="0"/>
             <a:r>
               <a:rPr b="1"/>
-              <a:t>Aim</a:t>
-            </a:r>
-            <a:r>
-              <a:rPr/>
-              <a:t>: This first slide is dedicated to clarifying questions from the previous submodule and/or to discuss assignments.</a:t>
+              <a:t>Conceptualization</a:t>
+            </a:r>
+            <a:r>
+              <a:rPr/>
+              <a:t>: Ideas; formulation or evolution of overarching research goals and aims</a:t>
             </a:r>
           </a:p>
           <a:p>
             <a:pPr lvl="0"/>
             <a:r>
-              <a:rPr/>
-              <a:t>Additional slides may need to be added depending on the nature of the homework assignments.</a:t>
+              <a:rPr b="1"/>
+              <a:t>Methodology</a:t>
+            </a:r>
+            <a:r>
+              <a:rPr/>
+              <a:t>: Development or design of methodology; creation of models</a:t>
             </a:r>
           </a:p>
           <a:p>
             <a:pPr lvl="0"/>
             <a:r>
-              <a:rPr/>
-              <a:t>Critical for the learning process to ensure that students are on the same page and have been able to achieve the learning goals of the previous workshop.</a:t>
+              <a:rPr b="1"/>
+              <a:t>Software</a:t>
+            </a:r>
+            <a:r>
+              <a:rPr/>
+              <a:t> : Programming, software development; designing computer programs; implementation of the computer code and supporting algorithms; testing of existing code components</a:t>
             </a:r>
           </a:p>
           <a:p>
             <a:pPr lvl="0"/>
             <a:r>
-              <a:rPr/>
-              <a:t>Not applicable if this set of slides corresponds to the first submodule of a new module.</a:t>
+              <a:rPr b="1"/>
+              <a:t>Validation</a:t>
+            </a:r>
+            <a:r>
+              <a:rPr/>
+              <a:t>: Verification, whether as a part of the activity or separate, of the overall replication/ reproducibility of results/experiments and other research outputs</a:t>
+            </a:r>
+          </a:p>
+          <a:p>
+            <a:pPr lvl="0"/>
+            <a:r>
+              <a:rPr b="1"/>
+              <a:t>Formal analysis</a:t>
+            </a:r>
+            <a:r>
+              <a:rPr/>
+              <a:t>: Application of statistical, mathematical, computational, or other formal techniques to analyze or synthesize study data</a:t>
+            </a:r>
+          </a:p>
+          <a:p>
+            <a:pPr lvl="0"/>
+            <a:r>
+              <a:rPr b="1"/>
+              <a:t>Investigation</a:t>
+            </a:r>
+            <a:r>
+              <a:rPr/>
+              <a:t>: Conducting a research and investigation process, specifically performing the experiments, or data/evidence collection</a:t>
+            </a:r>
+          </a:p>
+          <a:p>
+            <a:pPr lvl="0"/>
+            <a:r>
+              <a:rPr b="1"/>
+              <a:t>Resources</a:t>
+            </a:r>
+            <a:r>
+              <a:rPr/>
+              <a:t>: Provision of study materials, reagents, materials, patients, laboratory samples, animals, instrumentation, computing resources, or other analysis tools</a:t>
+            </a:r>
+          </a:p>
+          <a:p>
+            <a:pPr lvl="0"/>
+            <a:r>
+              <a:rPr b="1"/>
+              <a:t>Data Curation</a:t>
+            </a:r>
+            <a:r>
+              <a:rPr/>
+              <a:t>: Management activities to annotate (produce metadata), scrub data and maintain research data (including software code, where it is necessary for interpreting the data itself) for initial use and later reuse</a:t>
+            </a:r>
+          </a:p>
+          <a:p>
+            <a:pPr lvl="0"/>
+            <a:r>
+              <a:rPr b="1"/>
+              <a:t>Writing - Original Draft</a:t>
+            </a:r>
+            <a:r>
+              <a:rPr/>
+              <a:t>: Preparation, creation and/or presentation of the published work, specifically writing the initial draft (including substantive translation)</a:t>
+            </a:r>
+          </a:p>
+          <a:p>
+            <a:pPr lvl="0"/>
+            <a:r>
+              <a:rPr b="1"/>
+              <a:t>Writing - Review &amp; Editing</a:t>
+            </a:r>
+            <a:r>
+              <a:rPr/>
+              <a:t>: Preparation, creation and/or presentation of the published work by those from the original research group, specifically critical review, commentary or revision – including pre-or postpublication stages</a:t>
+            </a:r>
+          </a:p>
+          <a:p>
+            <a:pPr lvl="0"/>
+            <a:r>
+              <a:rPr b="1"/>
+              <a:t>Visualization</a:t>
+            </a:r>
+            <a:r>
+              <a:rPr/>
+              <a:t>: Preparation, creation and/or presentation of the published work, specifically visualization/ data presentation</a:t>
+            </a:r>
+          </a:p>
+          <a:p>
+            <a:pPr lvl="0"/>
+            <a:r>
+              <a:rPr b="1"/>
+              <a:t>Supervision</a:t>
+            </a:r>
+            <a:r>
+              <a:rPr/>
+              <a:t>: Oversight and leadership responsibility for the research activity planning and execution, including mentorship external to the core team</a:t>
+            </a:r>
+          </a:p>
+          <a:p>
+            <a:pPr lvl="0"/>
+            <a:r>
+              <a:rPr b="1"/>
+              <a:t>Project administration</a:t>
+            </a:r>
+            <a:r>
+              <a:rPr/>
+              <a:t>: Management and coordination responsibility for the research activity planning and execution</a:t>
+            </a:r>
+          </a:p>
+          <a:p>
+            <a:pPr lvl="0"/>
+            <a:r>
+              <a:rPr b="1"/>
+              <a:t>Funding acquisition</a:t>
+            </a:r>
+            <a:r>
+              <a:rPr/>
+              <a:t>: Acquisition of the financial support for the project leading to this publication</a:t>
             </a:r>
           </a:p>
         </p:txBody>
@@ -4845,7 +5003,7 @@
             </a:pPr>
             <a:r>
               <a:rPr b="1"/>
-              <a:t>Assignment</a:t>
+              <a:t>Relevance and implications</a:t>
             </a:r>
           </a:p>
           <a:p>
@@ -4856,28 +5014,21 @@
             </a:r>
             <a:r>
               <a:rPr/>
-              <a:t>: Explain the homework assignment and the rationale behind the homework.</a:t>
+              <a:t>: To work out the relevance of the topic to your students.</a:t>
             </a:r>
           </a:p>
           <a:p>
             <a:pPr lvl="0"/>
             <a:r>
               <a:rPr/>
-              <a:t>Examine whether/how it will be assessed</a:t>
+              <a:t>In an interactive setting, discuss how the new skills could be applied in practise with specific examples.</a:t>
             </a:r>
           </a:p>
           <a:p>
             <a:pPr lvl="0"/>
             <a:r>
               <a:rPr/>
-              <a:t>Mention scoring rubrics, if applicable</a:t>
-            </a:r>
-          </a:p>
-          <a:p>
-            <a:pPr lvl="0"/>
-            <a:r>
-              <a:rPr/>
-              <a:t>Design a peer-review system for assignments to place students in role of reviewer and author</a:t>
+              <a:t>Examine downfalls and practical obstacles.</a:t>
             </a:r>
           </a:p>
         </p:txBody>
@@ -4927,25 +5078,38 @@
             </a:pPr>
             <a:r>
               <a:rPr b="1"/>
-              <a:t>To conclude: Survey time!</a:t>
-            </a:r>
-          </a:p>
-          <a:p>
-            <a:pPr lvl="0"/>
+              <a:t>Take-home message</a:t>
+            </a:r>
+          </a:p>
+          <a:p>
+            <a:pPr lvl="0" indent="0" marL="0">
+              <a:buNone/>
+            </a:pPr>
             <a:r>
               <a:rPr b="1"/>
               <a:t>Aim</a:t>
             </a:r>
             <a:r>
               <a:rPr/>
-              <a:t>: This post-submodule survey serves to examine students’ current knowledge about the sumodule’s topic.</a:t>
-            </a:r>
-          </a:p>
-          <a:p>
-            <a:pPr lvl="0"/>
-            <a:r>
-              <a:rPr/>
-              <a:t>Use free survey software such as or other survey software (particify, formR) to establish the following questions (shown on separate slides):</a:t>
+              <a:t>: End lesson on clear take-home message that are interactively compiled by students.</a:t>
+            </a:r>
+          </a:p>
+          <a:p>
+            <a:pPr lvl="0" indent="0" marL="1270000">
+              <a:buNone/>
+            </a:pPr>
+            <a:r>
+              <a:rPr sz="2000" b="1"/>
+              <a:t>Tip with Title</a:t>
+            </a:r>
+          </a:p>
+          <a:p>
+            <a:pPr lvl="0" indent="0" marL="1270000">
+              <a:buNone/>
+            </a:pPr>
+            <a:r>
+              <a:rPr sz="2000"/>
+              <a:t>Add one practical tips or take-home message.</a:t>
             </a:r>
           </a:p>
         </p:txBody>
@@ -4988,47 +5152,46 @@
           <a:lstStyle/>
           <a:p>
             <a:pPr lvl="0" indent="0" marL="0">
+              <a:spcBef>
+                <a:spcPts val="3000"/>
+              </a:spcBef>
               <a:buNone/>
             </a:pPr>
             <a:r>
               <a:rPr b="1"/>
-              <a:t>What is your level of familiarity with [Topic] (e.g., basic concepts, terminology, or tools)?</a:t>
-            </a:r>
-          </a:p>
-          <a:p>
-            <a:pPr lvl="0" indent="-342900" marL="342900">
-              <a:buAutoNum type="alphaLcPeriod"/>
-            </a:pPr>
-            <a:r>
-              <a:rPr/>
-              <a:t>I have never heard of it before.</a:t>
-            </a:r>
-          </a:p>
-          <a:p>
-            <a:pPr lvl="0" indent="-342900" marL="342900">
-              <a:buAutoNum type="alphaLcPeriod"/>
-            </a:pPr>
-            <a:r>
-              <a:rPr/>
-              <a:t>I have heard of it but have never worked with it.</a:t>
-            </a:r>
-          </a:p>
-          <a:p>
-            <a:pPr lvl="0" indent="-342900" marL="342900">
-              <a:buAutoNum type="alphaLcPeriod"/>
-            </a:pPr>
-            <a:r>
-              <a:rPr/>
-              <a:t>I have basic understanding and experience with it.</a:t>
-            </a:r>
-          </a:p>
-          <a:p>
-            <a:pPr lvl="0" indent="-342900" marL="342900">
-              <a:buAutoNum type="alphaLcPeriod"/>
-            </a:pPr>
-            <a:r>
-              <a:rPr/>
-              <a:t>I am very familiar and have worked with it extensively.</a:t>
+              <a:t>Assignment</a:t>
+            </a:r>
+          </a:p>
+          <a:p>
+            <a:pPr lvl="0"/>
+            <a:r>
+              <a:rPr b="1"/>
+              <a:t>Aim</a:t>
+            </a:r>
+            <a:r>
+              <a:rPr/>
+              <a:t>: Explain the homework assignment and the rationale behind the homework.</a:t>
+            </a:r>
+          </a:p>
+          <a:p>
+            <a:pPr lvl="0"/>
+            <a:r>
+              <a:rPr/>
+              <a:t>Examine whether/how it will be assessed</a:t>
+            </a:r>
+          </a:p>
+          <a:p>
+            <a:pPr lvl="0"/>
+            <a:r>
+              <a:rPr/>
+              <a:t>Mention scoring rubrics, if applicable</a:t>
+            </a:r>
+          </a:p>
+          <a:p>
+            <a:pPr lvl="0"/>
+            <a:r>
+              <a:rPr/>
+              <a:t>Design a peer-review system for assignments to place students in role of reviewer and author</a:t>
             </a:r>
           </a:p>
         </p:txBody>
@@ -5071,56 +5234,32 @@
           <a:lstStyle/>
           <a:p>
             <a:pPr lvl="0" indent="0" marL="0">
+              <a:spcBef>
+                <a:spcPts val="3000"/>
+              </a:spcBef>
               <a:buNone/>
             </a:pPr>
             <a:r>
               <a:rPr b="1"/>
-              <a:t>Which of the following concepts or skills do you feel most confident about in relation to [Topic]? (Select all that apply)</a:t>
-            </a:r>
-          </a:p>
-          <a:p>
-            <a:pPr lvl="0" indent="-342900" marL="342900">
-              <a:buAutoNum type="alphaLcPeriod"/>
-            </a:pPr>
-            <a:r>
-              <a:rPr/>
-              <a:t>Concept 1</a:t>
-            </a:r>
-          </a:p>
-          <a:p>
-            <a:pPr lvl="0" indent="-342900" marL="342900">
-              <a:buAutoNum type="alphaLcPeriod"/>
-            </a:pPr>
-            <a:r>
-              <a:rPr/>
-              <a:t>Concept 2</a:t>
-            </a:r>
-          </a:p>
-          <a:p>
-            <a:pPr lvl="0" indent="-342900" marL="342900">
-              <a:buAutoNum type="alphaLcPeriod"/>
-            </a:pPr>
-            <a:r>
-              <a:rPr/>
-              <a:t>Concept 3</a:t>
-            </a:r>
-          </a:p>
-          <a:p>
-            <a:pPr lvl="0" indent="-342900" marL="342900">
-              <a:buAutoNum type="alphaLcPeriod"/>
-            </a:pPr>
-            <a:r>
-              <a:rPr/>
-              <a:t>Concept 4</a:t>
-            </a:r>
-          </a:p>
-          <a:p>
-            <a:pPr lvl="0" indent="-342900" marL="342900">
-              <a:buAutoNum type="alphaLcPeriod"/>
-            </a:pPr>
-            <a:r>
-              <a:rPr/>
-              <a:t>I am not sure about any of these concepts.</a:t>
+              <a:t>To conclude: Survey time!</a:t>
+            </a:r>
+          </a:p>
+          <a:p>
+            <a:pPr lvl="0"/>
+            <a:r>
+              <a:rPr b="1"/>
+              <a:t>Aim</a:t>
+            </a:r>
+            <a:r>
+              <a:rPr/>
+              <a:t>: This post-submodule survey serves to examine students’ current knowledge about the sumodule’s topic.</a:t>
+            </a:r>
+          </a:p>
+          <a:p>
+            <a:pPr lvl="0"/>
+            <a:r>
+              <a:rPr/>
+              <a:t>Use free survey software such as or other survey software (particify, formR) to establish the following questions (shown on separate slides):</a:t>
             </a:r>
           </a:p>
         </p:txBody>
@@ -5167,7 +5306,7 @@
             </a:pPr>
             <a:r>
               <a:rPr b="1"/>
-              <a:t>On a scale of 1 to 5, how comfortable are you with using [specific tool/technology] related to [Topic]? (1 = Not comfortable at all, 5 = Very comfortable)</a:t>
+              <a:t>What is your level of familiarity with [Topic] (e.g., basic concepts, terminology, or tools)?</a:t>
             </a:r>
           </a:p>
           <a:p>
@@ -5176,7 +5315,7 @@
             </a:pPr>
             <a:r>
               <a:rPr/>
-              <a:t>1</a:t>
+              <a:t>I have never heard of it before.</a:t>
             </a:r>
           </a:p>
           <a:p>
@@ -5185,7 +5324,7 @@
             </a:pPr>
             <a:r>
               <a:rPr/>
-              <a:t>2</a:t>
+              <a:t>I have heard of it but have never worked with it.</a:t>
             </a:r>
           </a:p>
           <a:p>
@@ -5194,7 +5333,7 @@
             </a:pPr>
             <a:r>
               <a:rPr/>
-              <a:t>3</a:t>
+              <a:t>I have basic understanding and experience with it.</a:t>
             </a:r>
           </a:p>
           <a:p>
@@ -5203,16 +5342,7 @@
             </a:pPr>
             <a:r>
               <a:rPr/>
-              <a:t>4</a:t>
-            </a:r>
-          </a:p>
-          <a:p>
-            <a:pPr lvl="0" indent="-342900" marL="342900">
-              <a:buAutoNum type="alphaLcPeriod"/>
-            </a:pPr>
-            <a:r>
-              <a:rPr/>
-              <a:t>5</a:t>
+              <a:t>I am very familiar and have worked with it extensively.</a:t>
             </a:r>
           </a:p>
         </p:txBody>
@@ -5255,32 +5385,56 @@
           <a:lstStyle/>
           <a:p>
             <a:pPr lvl="0" indent="0" marL="0">
-              <a:spcBef>
-                <a:spcPts val="3000"/>
-              </a:spcBef>
               <a:buNone/>
             </a:pPr>
             <a:r>
               <a:rPr b="1"/>
-              <a:t>Discussion of survey results</a:t>
-            </a:r>
-          </a:p>
-          <a:p>
-            <a:pPr lvl="0"/>
-            <a:r>
-              <a:rPr b="1"/>
-              <a:t>Aim</a:t>
-            </a:r>
-            <a:r>
-              <a:rPr/>
-              <a:t>: Briefly examine the answers given to each question interactively with the group.</a:t>
-            </a:r>
-          </a:p>
-          <a:p>
-            <a:pPr lvl="0"/>
-            <a:r>
-              <a:rPr/>
-              <a:t>Compare and highlight specific differences in answers between pre- and post-survey answers</a:t>
+              <a:t>Which of the following concepts or skills do you feel most confident about in relation to [Topic]? (Select all that apply)</a:t>
+            </a:r>
+          </a:p>
+          <a:p>
+            <a:pPr lvl="0" indent="-342900" marL="342900">
+              <a:buAutoNum type="alphaLcPeriod"/>
+            </a:pPr>
+            <a:r>
+              <a:rPr/>
+              <a:t>Concept 1</a:t>
+            </a:r>
+          </a:p>
+          <a:p>
+            <a:pPr lvl="0" indent="-342900" marL="342900">
+              <a:buAutoNum type="alphaLcPeriod"/>
+            </a:pPr>
+            <a:r>
+              <a:rPr/>
+              <a:t>Concept 2</a:t>
+            </a:r>
+          </a:p>
+          <a:p>
+            <a:pPr lvl="0" indent="-342900" marL="342900">
+              <a:buAutoNum type="alphaLcPeriod"/>
+            </a:pPr>
+            <a:r>
+              <a:rPr/>
+              <a:t>Concept 3</a:t>
+            </a:r>
+          </a:p>
+          <a:p>
+            <a:pPr lvl="0" indent="-342900" marL="342900">
+              <a:buAutoNum type="alphaLcPeriod"/>
+            </a:pPr>
+            <a:r>
+              <a:rPr/>
+              <a:t>Concept 4</a:t>
+            </a:r>
+          </a:p>
+          <a:p>
+            <a:pPr lvl="0" indent="-342900" marL="342900">
+              <a:buAutoNum type="alphaLcPeriod"/>
+            </a:pPr>
+            <a:r>
+              <a:rPr/>
+              <a:t>I am not sure about any of these concepts.</a:t>
             </a:r>
           </a:p>
         </p:txBody>
@@ -5323,21 +5477,56 @@
           <a:lstStyle/>
           <a:p>
             <a:pPr lvl="0" indent="0" marL="0">
-              <a:spcBef>
-                <a:spcPts val="3000"/>
-              </a:spcBef>
               <a:buNone/>
             </a:pPr>
             <a:r>
               <a:rPr b="1"/>
-              <a:t>References</a:t>
-            </a:r>
-          </a:p>
-          <a:p>
-            <a:pPr lvl="0"/>
-            <a:r>
-              <a:rPr/>
-              <a:t>Provide literature you refer to throughout this lesson.</a:t>
+              <a:t>On a scale of 1 to 5, how comfortable are you with using [specific tool/technology] related to [Topic]? (1 = Not comfortable at all, 5 = Very comfortable)</a:t>
+            </a:r>
+          </a:p>
+          <a:p>
+            <a:pPr lvl="0" indent="-342900" marL="342900">
+              <a:buAutoNum type="alphaLcPeriod"/>
+            </a:pPr>
+            <a:r>
+              <a:rPr/>
+              <a:t>1</a:t>
+            </a:r>
+          </a:p>
+          <a:p>
+            <a:pPr lvl="0" indent="-342900" marL="342900">
+              <a:buAutoNum type="alphaLcPeriod"/>
+            </a:pPr>
+            <a:r>
+              <a:rPr/>
+              <a:t>2</a:t>
+            </a:r>
+          </a:p>
+          <a:p>
+            <a:pPr lvl="0" indent="-342900" marL="342900">
+              <a:buAutoNum type="alphaLcPeriod"/>
+            </a:pPr>
+            <a:r>
+              <a:rPr/>
+              <a:t>3</a:t>
+            </a:r>
+          </a:p>
+          <a:p>
+            <a:pPr lvl="0" indent="-342900" marL="342900">
+              <a:buAutoNum type="alphaLcPeriod"/>
+            </a:pPr>
+            <a:r>
+              <a:rPr/>
+              <a:t>4</a:t>
+            </a:r>
+          </a:p>
+          <a:p>
+            <a:pPr lvl="0" indent="-342900" marL="342900">
+              <a:buAutoNum type="alphaLcPeriod"/>
+            </a:pPr>
+            <a:r>
+              <a:rPr/>
+              <a:t>5</a:t>
             </a:r>
           </a:p>
         </p:txBody>
@@ -5366,12 +5555,12 @@
       </p:grpSpPr>
       <p:sp>
         <p:nvSpPr>
-          <p:cNvPr id="2" name="Title 1"/>
-          <p:cNvSpPr>
-            <a:spLocks noGrp="1"/>
-          </p:cNvSpPr>
-          <p:nvPr>
-            <p:ph type="title"/>
+          <p:cNvPr id="3" name="Content Placeholder 2"/>
+          <p:cNvSpPr>
+            <a:spLocks noGrp="1"/>
+          </p:cNvSpPr>
+          <p:nvPr>
+            <p:ph idx="1"/>
           </p:nvPr>
         </p:nvSpPr>
         <p:spPr/>
@@ -5380,36 +5569,32 @@
           <a:lstStyle/>
           <a:p>
             <a:pPr lvl="0" indent="0" marL="0">
-              <a:buNone/>
-            </a:pPr>
-            <a:r>
-              <a:rPr/>
-              <a:t>Thanks! </a:t>
-            </a:r>
-          </a:p>
-        </p:txBody>
-      </p:sp>
-      <p:sp>
-        <p:nvSpPr>
-          <p:cNvPr id="3" name="Content Placeholder 2"/>
-          <p:cNvSpPr>
-            <a:spLocks noGrp="1"/>
-          </p:cNvSpPr>
-          <p:nvPr>
-            <p:ph idx="1"/>
-          </p:nvPr>
-        </p:nvSpPr>
-        <p:spPr/>
-        <p:txBody>
-          <a:bodyPr/>
-          <a:lstStyle/>
-          <a:p>
-            <a:pPr lvl="0" indent="0" marL="0">
-              <a:buNone/>
-            </a:pPr>
-            <a:r>
-              <a:rPr/>
-              <a:t>See you next class :)</a:t>
+              <a:spcBef>
+                <a:spcPts val="3000"/>
+              </a:spcBef>
+              <a:buNone/>
+            </a:pPr>
+            <a:r>
+              <a:rPr b="1"/>
+              <a:t>Discussion of survey results</a:t>
+            </a:r>
+          </a:p>
+          <a:p>
+            <a:pPr lvl="0"/>
+            <a:r>
+              <a:rPr b="1"/>
+              <a:t>Aim</a:t>
+            </a:r>
+            <a:r>
+              <a:rPr/>
+              <a:t>: Briefly examine the answers given to each question interactively with the group.</a:t>
+            </a:r>
+          </a:p>
+          <a:p>
+            <a:pPr lvl="0"/>
+            <a:r>
+              <a:rPr/>
+              <a:t>Compare and highlight specific differences in answers between pre- and post-survey answers</a:t>
             </a:r>
           </a:p>
         </p:txBody>
@@ -5459,35 +5644,14 @@
             </a:pPr>
             <a:r>
               <a:rPr b="1"/>
-              <a:t>Pedagogical add-on tools for instructors</a:t>
+              <a:t>References</a:t>
             </a:r>
           </a:p>
           <a:p>
             <a:pPr lvl="0"/>
             <a:r>
               <a:rPr/>
-              <a:t>This section is dedicated to ideas on how to incorporate pedagogical tools into teaching for this specific submodule topic. This could mean:</a:t>
-            </a:r>
-          </a:p>
-          <a:p>
-            <a:pPr lvl="1"/>
-            <a:r>
-              <a:rPr/>
-              <a:t>Information about the scientific evidence on the theory of the pedagogical add-on tool and the evidence for its efficacy.</a:t>
-            </a:r>
-          </a:p>
-          <a:p>
-            <a:pPr lvl="1"/>
-            <a:r>
-              <a:rPr/>
-              <a:t>Discussion/reflection on how tools can be incorporated into the teaching for this particular content.</a:t>
-            </a:r>
-          </a:p>
-          <a:p>
-            <a:pPr lvl="1"/>
-            <a:r>
-              <a:rPr/>
-              <a:t>Extra exercises for faster students.</a:t>
+              <a:t>Provide literature you refer to throughout this lesson.</a:t>
             </a:r>
           </a:p>
         </p:txBody>
@@ -5516,6 +5680,31 @@
       </p:grpSpPr>
       <p:sp>
         <p:nvSpPr>
+          <p:cNvPr id="2" name="Title 1"/>
+          <p:cNvSpPr>
+            <a:spLocks noGrp="1"/>
+          </p:cNvSpPr>
+          <p:nvPr>
+            <p:ph type="title"/>
+          </p:nvPr>
+        </p:nvSpPr>
+        <p:spPr/>
+        <p:txBody>
+          <a:bodyPr/>
+          <a:lstStyle/>
+          <a:p>
+            <a:pPr lvl="0" indent="0" marL="0">
+              <a:buNone/>
+            </a:pPr>
+            <a:r>
+              <a:rPr/>
+              <a:t>Thanks! </a:t>
+            </a:r>
+          </a:p>
+        </p:txBody>
+      </p:sp>
+      <p:sp>
+        <p:nvSpPr>
           <p:cNvPr id="3" name="Content Placeholder 2"/>
           <p:cNvSpPr>
             <a:spLocks noGrp="1"/>
@@ -5530,36 +5719,11 @@
           <a:lstStyle/>
           <a:p>
             <a:pPr lvl="0" indent="0" marL="0">
-              <a:spcBef>
-                <a:spcPts val="3000"/>
-              </a:spcBef>
-              <a:buNone/>
-            </a:pPr>
-            <a:r>
-              <a:rPr b="1"/>
-              <a:t>Additional literature for instructors</a:t>
-            </a:r>
-          </a:p>
-          <a:p>
-            <a:pPr lvl="0"/>
-            <a:r>
-              <a:rPr/>
-              <a:t>References for content</a:t>
-            </a:r>
-          </a:p>
-          <a:p>
-            <a:pPr lvl="0"/>
-            <a:r>
-              <a:rPr/>
-              <a:t>References for pedagogical add-on tools</a:t>
-            </a:r>
-            <a:br/>
-          </a:p>
-          <a:p>
-            <a:pPr lvl="0"/>
-            <a:r>
-              <a:rPr/>
-              <a:t>Other resources (videos etc.)</a:t>
+              <a:buNone/>
+            </a:pPr>
+            <a:r>
+              <a:rPr/>
+              <a:t>See you next class :)</a:t>
             </a:r>
           </a:p>
         </p:txBody>
@@ -5588,12 +5752,12 @@
       </p:grpSpPr>
       <p:sp>
         <p:nvSpPr>
-          <p:cNvPr id="3" name="Content Placeholder 2"/>
-          <p:cNvSpPr>
-            <a:spLocks noGrp="1"/>
-          </p:cNvSpPr>
-          <p:nvPr>
-            <p:ph idx="1"/>
+          <p:cNvPr id="4" name="Text Placeholder 3"/>
+          <p:cNvSpPr>
+            <a:spLocks noGrp="1"/>
+          </p:cNvSpPr>
+          <p:nvPr>
+            <p:ph idx="2" sz="half" type="body"/>
           </p:nvPr>
         </p:nvSpPr>
         <p:spPr/>
@@ -5609,29 +5773,204 @@
             </a:pPr>
             <a:r>
               <a:rPr b="1"/>
-              <a:t>Before we start: Survey time!</a:t>
-            </a:r>
-          </a:p>
-          <a:p>
-            <a:pPr lvl="0"/>
-            <a:r>
-              <a:rPr b="1"/>
-              <a:t>Aim</a:t>
-            </a:r>
-            <a:r>
-              <a:rPr/>
-              <a:t>: The pre-submodule survey serves to examine students’ prior knowledge about the sumodule’s topic.</a:t>
-            </a:r>
-          </a:p>
-          <a:p>
-            <a:pPr lvl="0"/>
-            <a:r>
-              <a:rPr/>
-              <a:t>Use free survey software such as or other survey software (particify, formR) to establish the following questions (shown on separate slides):</a:t>
-            </a:r>
-          </a:p>
-        </p:txBody>
-      </p:sp>
+              <a:t>Prerequisites</a:t>
+            </a:r>
+          </a:p>
+          <a:p>
+            <a:pPr lvl="0" indent="0" marL="1270000">
+              <a:buNone/>
+            </a:pPr>
+            <a:r>
+              <a:rPr sz="2000" b="1"/>
+              <a:t>Prerequisites</a:t>
+            </a:r>
+          </a:p>
+          <a:p>
+            <a:pPr lvl="0" indent="0" marL="1270000">
+              <a:buNone/>
+            </a:pPr>
+            <a:r>
+              <a:rPr sz="2000"/>
+              <a:t>Before completing this submodule, please carefully read about the necessary prerequisites.</a:t>
+            </a:r>
+          </a:p>
+        </p:txBody>
+      </p:sp>
+      <p:graphicFrame>
+        <p:nvGraphicFramePr>
+          <p:cNvPr id="6" name="Content Placeholder 5"/>
+          <p:cNvGraphicFramePr>
+            <a:graphicFrameLocks noGrp="1"/>
+          </p:cNvGraphicFramePr>
+          <p:nvPr>
+            <p:ph idx="1"/>
+          </p:nvPr>
+        </p:nvGraphicFramePr>
+        <p:xfrm>
+          <a:off x="3568700" y="203200"/>
+          <a:ext cx="5105400" cy="4381500"/>
+        </p:xfrm>
+        <a:graphic>
+          <a:graphicData uri="http://schemas.openxmlformats.org/drawingml/2006/table">
+            <a:tbl>
+              <a:tblPr firstRow="1" bandRow="1">
+                <a:tableStyleId>{5C22544A-7EE6-4342-B048-85BDC9FD1C3A}</a:tableStyleId>
+              </a:tblPr>
+              <a:tblGrid>
+                <a:gridCol w="1701800"/>
+                <a:gridCol w="1701800"/>
+                <a:gridCol w="1701800"/>
+              </a:tblGrid>
+              <a:tr h="0">
+                <a:tc>
+                  <a:txBody>
+                    <a:bodyPr/>
+                    <a:lstStyle/>
+                    <a:p>
+                      <a:pPr lvl="0" indent="0" marL="0">
+                        <a:buNone/>
+                      </a:pPr>
+                      <a:r>
+                        <a:rPr/>
+                        <a:t>Prerequisite</a:t>
+                      </a:r>
+                    </a:p>
+                  </a:txBody>
+                  <a:tcPr/>
+                </a:tc>
+                <a:tc>
+                  <a:txBody>
+                    <a:bodyPr/>
+                    <a:lstStyle/>
+                    <a:p>
+                      <a:pPr lvl="0" indent="0" marL="0">
+                        <a:buNone/>
+                      </a:pPr>
+                      <a:r>
+                        <a:rPr/>
+                        <a:t>Description</a:t>
+                      </a:r>
+                    </a:p>
+                  </a:txBody>
+                  <a:tcPr/>
+                </a:tc>
+                <a:tc>
+                  <a:txBody>
+                    <a:bodyPr/>
+                    <a:lstStyle/>
+                    <a:p>
+                      <a:pPr lvl="0" indent="0" marL="0">
+                        <a:buNone/>
+                      </a:pPr>
+                      <a:r>
+                        <a:rPr/>
+                        <a:t>Link/Where to find it</a:t>
+                      </a:r>
+                    </a:p>
+                  </a:txBody>
+                  <a:tcPr/>
+                </a:tc>
+              </a:tr>
+              <a:tr h="0">
+                <a:tc>
+                  <a:txBody>
+                    <a:bodyPr/>
+                    <a:lstStyle/>
+                    <a:p>
+                      <a:pPr lvl="0" indent="0" marL="0">
+                        <a:buNone/>
+                      </a:pPr>
+                      <a:r>
+                        <a:rPr/>
+                        <a:t>Topic Name</a:t>
+                      </a:r>
+                    </a:p>
+                  </a:txBody>
+                </a:tc>
+                <a:tc>
+                  <a:txBody>
+                    <a:bodyPr/>
+                    <a:lstStyle/>
+                    <a:p>
+                      <a:pPr lvl="0" indent="0" marL="0">
+                        <a:buNone/>
+                      </a:pPr>
+                      <a:r>
+                        <a:rPr/>
+                        <a:t>Basic intro to X</a:t>
+                      </a:r>
+                    </a:p>
+                  </a:txBody>
+                </a:tc>
+                <a:tc>
+                  <a:txBody>
+                    <a:bodyPr/>
+                    <a:lstStyle/>
+                    <a:p>
+                      <a:pPr lvl="0" indent="0" marL="0">
+                        <a:buNone/>
+                      </a:pPr>
+                      <a:r>
+                        <a:rPr/>
+                        <a:t>Module + Submodule</a:t>
+                      </a:r>
+                    </a:p>
+                  </a:txBody>
+                </a:tc>
+              </a:tr>
+              <a:tr h="0">
+                <a:tc>
+                  <a:txBody>
+                    <a:bodyPr/>
+                    <a:lstStyle/>
+                    <a:p>
+                      <a:pPr lvl="0" indent="0" marL="0">
+                        <a:buNone/>
+                      </a:pPr>
+                      <a:r>
+                        <a:rPr/>
+                        <a:t>Software Name</a:t>
+                      </a:r>
+                    </a:p>
+                  </a:txBody>
+                </a:tc>
+                <a:tc>
+                  <a:txBody>
+                    <a:bodyPr/>
+                    <a:lstStyle/>
+                    <a:p>
+                      <a:pPr lvl="0" indent="0" marL="0">
+                        <a:buNone/>
+                      </a:pPr>
+                      <a:r>
+                        <a:rPr/>
+                        <a:t>Configuring the environment</a:t>
+                      </a:r>
+                    </a:p>
+                  </a:txBody>
+                </a:tc>
+                <a:tc>
+                  <a:txBody>
+                    <a:bodyPr/>
+                    <a:lstStyle/>
+                    <a:p>
+                      <a:pPr lvl="0" indent="0" marL="0">
+                        <a:buNone/>
+                      </a:pPr>
+                      <a:r>
+                        <a:rPr>
+                          <a:hlinkClick r:id="rId2"/>
+                        </a:rPr>
+                        <a:t>Download Link</a:t>
+                      </a:r>
+                    </a:p>
+                  </a:txBody>
+                </a:tc>
+              </a:tr>
+            </a:tbl>
+          </a:graphicData>
+        </a:graphic>
+      </p:graphicFrame>
     </p:spTree>
   </p:cSld>
 </p:sld>
@@ -5656,12 +5995,12 @@
       </p:grpSpPr>
       <p:sp>
         <p:nvSpPr>
-          <p:cNvPr id="2" name="Title 1"/>
-          <p:cNvSpPr>
-            <a:spLocks noGrp="1"/>
-          </p:cNvSpPr>
-          <p:nvPr>
-            <p:ph type="title"/>
+          <p:cNvPr id="3" name="Content Placeholder 2"/>
+          <p:cNvSpPr>
+            <a:spLocks noGrp="1"/>
+          </p:cNvSpPr>
+          <p:nvPr>
+            <p:ph idx="1"/>
           </p:nvPr>
         </p:nvSpPr>
         <p:spPr/>
@@ -5670,38 +6009,42 @@
           <a:lstStyle/>
           <a:p>
             <a:pPr lvl="0" indent="0" marL="0">
-              <a:buNone/>
-            </a:pPr>
-            <a:r>
-              <a:rPr/>
-              <a:t>Formatting elements for instructors</a:t>
-            </a:r>
-          </a:p>
-        </p:txBody>
-      </p:sp>
-      <p:sp>
-        <p:nvSpPr>
-          <p:cNvPr id="3" name="Content Placeholder 2"/>
-          <p:cNvSpPr>
-            <a:spLocks noGrp="1"/>
-          </p:cNvSpPr>
-          <p:nvPr>
-            <p:ph idx="1"/>
-          </p:nvPr>
-        </p:nvSpPr>
-        <p:spPr/>
-        <p:txBody>
-          <a:bodyPr/>
-          <a:lstStyle/>
+              <a:spcBef>
+                <a:spcPts val="3000"/>
+              </a:spcBef>
+              <a:buNone/>
+            </a:pPr>
+            <a:r>
+              <a:rPr b="1"/>
+              <a:t>Pedagogical add-on tools for instructors</a:t>
+            </a:r>
+          </a:p>
           <a:p>
             <a:pPr lvl="0"/>
             <a:r>
-              <a:rPr b="1"/>
-              <a:t>Aim</a:t>
-            </a:r>
-            <a:r>
-              <a:rPr/>
-              <a:t>: This section contains templates for different formatting elements, which can be modified and adapted for the instructor’s individual purposes.</a:t>
+              <a:rPr/>
+              <a:t>This section is dedicated to ideas on how to incorporate pedagogical tools into teaching for this specific submodule topic. This could mean:</a:t>
+            </a:r>
+          </a:p>
+          <a:p>
+            <a:pPr lvl="1"/>
+            <a:r>
+              <a:rPr/>
+              <a:t>Information about the scientific evidence on the theory of the pedagogical add-on tool and the evidence for its efficacy.</a:t>
+            </a:r>
+          </a:p>
+          <a:p>
+            <a:pPr lvl="1"/>
+            <a:r>
+              <a:rPr/>
+              <a:t>Discussion/reflection on how tools can be incorporated into the teaching for this particular content.</a:t>
+            </a:r>
+          </a:p>
+          <a:p>
+            <a:pPr lvl="1"/>
+            <a:r>
+              <a:rPr/>
+              <a:t>Extra exercises for faster students.</a:t>
             </a:r>
           </a:p>
         </p:txBody>
@@ -5751,43 +6094,29 @@
             </a:pPr>
             <a:r>
               <a:rPr b="1"/>
-              <a:t>Text with example links</a:t>
+              <a:t>Additional literature for instructors</a:t>
             </a:r>
           </a:p>
           <a:p>
             <a:pPr lvl="0"/>
             <a:r>
-              <a:rPr>
-                <a:hlinkClick r:id="rId2"/>
-              </a:rPr>
-              <a:t>Quarto Documentation</a:t>
+              <a:rPr/>
+              <a:t>References for content</a:t>
             </a:r>
           </a:p>
           <a:p>
             <a:pPr lvl="0"/>
             <a:r>
-              <a:rPr>
-                <a:hlinkClick r:id="rId3"/>
-              </a:rPr>
-              <a:t>Reveal.js Documentation</a:t>
-            </a:r>
+              <a:rPr/>
+              <a:t>References for pedagogical add-on tools</a:t>
+            </a:r>
+            <a:br/>
           </a:p>
           <a:p>
             <a:pPr lvl="0"/>
             <a:r>
-              <a:rPr>
-                <a:hlinkClick r:id="rId4"/>
-              </a:rPr>
-              <a:t>Markdown Guide</a:t>
-            </a:r>
-          </a:p>
-          <a:p>
-            <a:pPr lvl="0"/>
-            <a:r>
-              <a:rPr>
-                <a:hlinkClick r:id="rId5"/>
-              </a:rPr>
-              <a:t>GitHub</a:t>
+              <a:rPr/>
+              <a:t>Other resources (videos etc.)</a:t>
             </a:r>
           </a:p>
         </p:txBody>
@@ -5816,6 +6145,31 @@
       </p:grpSpPr>
       <p:sp>
         <p:nvSpPr>
+          <p:cNvPr id="2" name="Title 1"/>
+          <p:cNvSpPr>
+            <a:spLocks noGrp="1"/>
+          </p:cNvSpPr>
+          <p:nvPr>
+            <p:ph type="title"/>
+          </p:nvPr>
+        </p:nvSpPr>
+        <p:spPr/>
+        <p:txBody>
+          <a:bodyPr/>
+          <a:lstStyle/>
+          <a:p>
+            <a:pPr lvl="0" indent="0" marL="0">
+              <a:buNone/>
+            </a:pPr>
+            <a:r>
+              <a:rPr/>
+              <a:t>Formatting elements for instructors</a:t>
+            </a:r>
+          </a:p>
+        </p:txBody>
+      </p:sp>
+      <p:sp>
+        <p:nvSpPr>
           <p:cNvPr id="3" name="Content Placeholder 2"/>
           <p:cNvSpPr>
             <a:spLocks noGrp="1"/>
@@ -5829,141 +6183,14 @@
           <a:bodyPr/>
           <a:lstStyle/>
           <a:p>
-            <a:pPr lvl="0" indent="0" marL="0">
-              <a:spcBef>
-                <a:spcPts val="3000"/>
-              </a:spcBef>
-              <a:buNone/>
-            </a:pPr>
+            <a:pPr lvl="0"/>
             <a:r>
               <a:rPr b="1"/>
-              <a:t>Basic text formatting</a:t>
-            </a:r>
-          </a:p>
-          <a:p>
-            <a:pPr lvl="0"/>
-            <a:r>
-              <a:rPr b="1"/>
-              <a:t>Bold:</a:t>
-            </a:r>
-            <a:r>
-              <a:rPr/>
-              <a:t> </a:t>
-            </a:r>
-            <a:r>
-              <a:rPr>
-                <a:latin typeface="Courier"/>
-              </a:rPr>
-              <a:t>**bold**</a:t>
-            </a:r>
-            <a:r>
-              <a:rPr/>
-              <a:t> → </a:t>
-            </a:r>
-            <a:r>
-              <a:rPr b="1"/>
-              <a:t>bold</a:t>
-            </a:r>
-          </a:p>
-          <a:p>
-            <a:pPr lvl="0"/>
-            <a:r>
-              <a:rPr i="1"/>
-              <a:t>Italic:</a:t>
-            </a:r>
-            <a:r>
-              <a:rPr/>
-              <a:t> </a:t>
-            </a:r>
-            <a:r>
-              <a:rPr>
-                <a:latin typeface="Courier"/>
-              </a:rPr>
-              <a:t>*italic*</a:t>
-            </a:r>
-            <a:r>
-              <a:rPr/>
-              <a:t> → </a:t>
-            </a:r>
-            <a:r>
-              <a:rPr i="1"/>
-              <a:t>italic</a:t>
-            </a:r>
-          </a:p>
-          <a:p>
-            <a:pPr lvl="0"/>
-            <a:r>
-              <a:rPr strike="sngStrike"/>
-              <a:t>Strikethrough:</a:t>
-            </a:r>
-            <a:r>
-              <a:rPr/>
-              <a:t> </a:t>
-            </a:r>
-            <a:r>
-              <a:rPr>
-                <a:latin typeface="Courier"/>
-              </a:rPr>
-              <a:t>~~text~~</a:t>
-            </a:r>
-            <a:r>
-              <a:rPr/>
-              <a:t> → </a:t>
-            </a:r>
-            <a:r>
-              <a:rPr strike="sngStrike"/>
-              <a:t>text</a:t>
-            </a:r>
-          </a:p>
-          <a:p>
-            <a:pPr lvl="0"/>
-            <a:r>
-              <a:rPr>
-                <a:latin typeface="Courier"/>
-              </a:rPr>
-              <a:t>Inline code:</a:t>
-            </a:r>
-            <a:r>
-              <a:rPr/>
-              <a:t> </a:t>
-            </a:r>
-            <a:r>
-              <a:rPr>
-                <a:latin typeface="Courier"/>
-              </a:rPr>
-              <a:t>`code`</a:t>
-            </a:r>
-            <a:r>
-              <a:rPr/>
-              <a:t> → </a:t>
-            </a:r>
-            <a:r>
-              <a:rPr>
-                <a:latin typeface="Courier"/>
-              </a:rPr>
-              <a:t>code</a:t>
-            </a:r>
-          </a:p>
-          <a:p>
-            <a:pPr lvl="0" indent="0" marL="1270000"/>
-            <a:r>
-              <a:rPr sz="2000"/>
-              <a:t>Blockquote: </a:t>
-            </a:r>
-            <a:r>
-              <a:rPr sz="2000">
-                <a:latin typeface="Courier"/>
-              </a:rPr>
-              <a:t>&gt; Quote</a:t>
-            </a:r>
-            <a:r>
-              <a:rPr sz="2000"/>
-              <a:t> →</a:t>
-            </a:r>
-            <a:br/>
-            <a:r>
-              <a:rPr sz="2000"/>
-              <a:t>“This is a quote”</a:t>
+              <a:t>Aim</a:t>
+            </a:r>
+            <a:r>
+              <a:rPr/>
+              <a:t>: This section contains templates for different formatting elements, which can be modified and adapted for the instructor’s individual purposes.</a:t>
             </a:r>
           </a:p>
         </p:txBody>
@@ -6013,28 +6240,43 @@
             </a:pPr>
             <a:r>
               <a:rPr b="1"/>
-              <a:t>Figure with caption</a:t>
+              <a:t>Text with example links</a:t>
             </a:r>
           </a:p>
           <a:p>
             <a:pPr lvl="0"/>
             <a:r>
-              <a:rPr/>
-              <a:t>Centered image and caption below in italics</a:t>
-            </a:r>
-          </a:p>
-          <a:p>
-            <a:pPr lvl="0" indent="0" marL="0">
-              <a:buNone/>
-            </a:pPr>
-          </a:p>
-          <a:p>
-            <a:pPr lvl="0" indent="0" marL="0">
-              <a:buNone/>
-            </a:pPr>
-            <a:r>
-              <a:rPr/>
-              <a:t>This is a Penguin.</a:t>
+              <a:rPr>
+                <a:hlinkClick r:id="rId2"/>
+              </a:rPr>
+              <a:t>Quarto Documentation</a:t>
+            </a:r>
+          </a:p>
+          <a:p>
+            <a:pPr lvl="0"/>
+            <a:r>
+              <a:rPr>
+                <a:hlinkClick r:id="rId3"/>
+              </a:rPr>
+              <a:t>Reveal.js Documentation</a:t>
+            </a:r>
+          </a:p>
+          <a:p>
+            <a:pPr lvl="0"/>
+            <a:r>
+              <a:rPr>
+                <a:hlinkClick r:id="rId4"/>
+              </a:rPr>
+              <a:t>Markdown Guide</a:t>
+            </a:r>
+          </a:p>
+          <a:p>
+            <a:pPr lvl="0"/>
+            <a:r>
+              <a:rPr>
+                <a:hlinkClick r:id="rId5"/>
+              </a:rPr>
+              <a:t>GitHub</a:t>
             </a:r>
           </a:p>
         </p:txBody>
@@ -6084,33 +6326,133 @@
             </a:pPr>
             <a:r>
               <a:rPr b="1"/>
-              <a:t>Figure with bullet points</a:t>
-            </a:r>
-          </a:p>
-          <a:p>
-            <a:pPr lvl="0" indent="0" marL="0">
-              <a:buNone/>
-            </a:pPr>
+              <a:t>Basic text formatting</a:t>
+            </a:r>
           </a:p>
           <a:p>
             <a:pPr lvl="0"/>
             <a:r>
-              <a:rPr/>
-              <a:t>First bullet point</a:t>
+              <a:rPr b="1"/>
+              <a:t>Bold:</a:t>
+            </a:r>
+            <a:r>
+              <a:rPr/>
+              <a:t> </a:t>
+            </a:r>
+            <a:r>
+              <a:rPr>
+                <a:latin typeface="Courier"/>
+              </a:rPr>
+              <a:t>**bold**</a:t>
+            </a:r>
+            <a:r>
+              <a:rPr/>
+              <a:t> → </a:t>
+            </a:r>
+            <a:r>
+              <a:rPr b="1"/>
+              <a:t>bold</a:t>
             </a:r>
           </a:p>
           <a:p>
             <a:pPr lvl="0"/>
             <a:r>
-              <a:rPr/>
-              <a:t>Second bullet point</a:t>
+              <a:rPr i="1"/>
+              <a:t>Italic:</a:t>
+            </a:r>
+            <a:r>
+              <a:rPr/>
+              <a:t> </a:t>
+            </a:r>
+            <a:r>
+              <a:rPr>
+                <a:latin typeface="Courier"/>
+              </a:rPr>
+              <a:t>*italic*</a:t>
+            </a:r>
+            <a:r>
+              <a:rPr/>
+              <a:t> → </a:t>
+            </a:r>
+            <a:r>
+              <a:rPr i="1"/>
+              <a:t>italic</a:t>
             </a:r>
           </a:p>
           <a:p>
             <a:pPr lvl="0"/>
             <a:r>
-              <a:rPr/>
-              <a:t>Third bullet point</a:t>
+              <a:rPr strike="sngStrike"/>
+              <a:t>Strikethrough:</a:t>
+            </a:r>
+            <a:r>
+              <a:rPr/>
+              <a:t> </a:t>
+            </a:r>
+            <a:r>
+              <a:rPr>
+                <a:latin typeface="Courier"/>
+              </a:rPr>
+              <a:t>~~text~~</a:t>
+            </a:r>
+            <a:r>
+              <a:rPr/>
+              <a:t> → </a:t>
+            </a:r>
+            <a:r>
+              <a:rPr strike="sngStrike"/>
+              <a:t>text</a:t>
+            </a:r>
+          </a:p>
+          <a:p>
+            <a:pPr lvl="0"/>
+            <a:r>
+              <a:rPr>
+                <a:latin typeface="Courier"/>
+              </a:rPr>
+              <a:t>Inline code:</a:t>
+            </a:r>
+            <a:r>
+              <a:rPr/>
+              <a:t> </a:t>
+            </a:r>
+            <a:r>
+              <a:rPr>
+                <a:latin typeface="Courier"/>
+              </a:rPr>
+              <a:t>`code`</a:t>
+            </a:r>
+            <a:r>
+              <a:rPr/>
+              <a:t> → </a:t>
+            </a:r>
+            <a:r>
+              <a:rPr>
+                <a:latin typeface="Courier"/>
+              </a:rPr>
+              <a:t>code</a:t>
+            </a:r>
+          </a:p>
+          <a:p>
+            <a:pPr lvl="0" indent="0" marL="1270000"/>
+            <a:r>
+              <a:rPr sz="2000"/>
+              <a:t>Blockquote: </a:t>
+            </a:r>
+            <a:r>
+              <a:rPr sz="2000">
+                <a:latin typeface="Courier"/>
+              </a:rPr>
+              <a:t>&gt; Quote</a:t>
+            </a:r>
+            <a:r>
+              <a:rPr sz="2000"/>
+              <a:t> →</a:t>
+            </a:r>
+            <a:br/>
+            <a:r>
+              <a:rPr sz="2000"/>
+              <a:t>“This is a quote”</a:t>
             </a:r>
           </a:p>
         </p:txBody>
@@ -6160,7 +6502,28 @@
             </a:pPr>
             <a:r>
               <a:rPr b="1"/>
-              <a:t>Side-by-side figures</a:t>
+              <a:t>Figure with caption</a:t>
+            </a:r>
+          </a:p>
+          <a:p>
+            <a:pPr lvl="0"/>
+            <a:r>
+              <a:rPr/>
+              <a:t>Centered image and caption below in italics</a:t>
+            </a:r>
+          </a:p>
+          <a:p>
+            <a:pPr lvl="0" indent="0" marL="0">
+              <a:buNone/>
+            </a:pPr>
+          </a:p>
+          <a:p>
+            <a:pPr lvl="0" indent="0" marL="0">
+              <a:buNone/>
+            </a:pPr>
+            <a:r>
+              <a:rPr/>
+              <a:t>This is a Penguin.</a:t>
             </a:r>
           </a:p>
         </p:txBody>
@@ -6210,7 +6573,7 @@
             </a:pPr>
             <a:r>
               <a:rPr b="1"/>
-              <a:t>Stacked figures with text</a:t>
+              <a:t>Figure with bullet points</a:t>
             </a:r>
           </a:p>
           <a:p>
@@ -6286,58 +6649,7 @@
             </a:pPr>
             <a:r>
               <a:rPr b="1"/>
-              <a:t>Two-column text slide</a:t>
-            </a:r>
-          </a:p>
-          <a:p>
-            <a:pPr lvl="0" indent="0" marL="0">
-              <a:buNone/>
-            </a:pPr>
-            <a:r>
-              <a:rPr b="1"/>
-              <a:t>Column 1</a:t>
-            </a:r>
-          </a:p>
-          <a:p>
-            <a:pPr lvl="0" indent="0" marL="0">
-              <a:buNone/>
-            </a:pPr>
-            <a:r>
-              <a:rPr/>
-              <a:t>Lorem ipsum dolor sit amet, consectetur adipiscing elit.</a:t>
-            </a:r>
-            <a:br/>
-            <a:r>
-              <a:rPr/>
-              <a:t>Vivamus lacinia odio vitae vestibulum vestibulum.</a:t>
-            </a:r>
-            <a:br/>
-            <a:r>
-              <a:rPr/>
-              <a:t>Cras venenatis euismod malesuada.</a:t>
-            </a:r>
-          </a:p>
-          <a:p>
-            <a:pPr lvl="0" indent="0" marL="0">
-              <a:buNone/>
-            </a:pPr>
-            <a:r>
-              <a:rPr b="1"/>
-              <a:t>Column 2</a:t>
-            </a:r>
-          </a:p>
-          <a:p>
-            <a:pPr lvl="0" indent="0" marL="0">
-              <a:buNone/>
-            </a:pPr>
-            <a:r>
-              <a:rPr/>
-              <a:t>Sed do eiusmod tempor incididunt ut labore et dolore magna aliqua.</a:t>
-            </a:r>
-            <a:br/>
-            <a:r>
-              <a:rPr/>
-              <a:t>Ut enim ad minim veniam, quis nostrud exercitation ullamco laboris.</a:t>
+              <a:t>Side-by-side figures</a:t>
             </a:r>
           </a:p>
         </p:txBody>
@@ -6387,71 +6699,33 @@
             </a:pPr>
             <a:r>
               <a:rPr b="1"/>
-              <a:t>Three-column text slide</a:t>
+              <a:t>Stacked figures with text</a:t>
             </a:r>
           </a:p>
           <a:p>
             <a:pPr lvl="0" indent="0" marL="0">
               <a:buNone/>
             </a:pPr>
-            <a:r>
-              <a:rPr b="1"/>
-              <a:t>Column 1</a:t>
-            </a:r>
-          </a:p>
-          <a:p>
-            <a:pPr lvl="0" indent="0" marL="0">
-              <a:buNone/>
-            </a:pPr>
-            <a:r>
-              <a:rPr/>
-              <a:t>Lorem ipsum dolor sit amet, consectetur adipiscing elit.</a:t>
-            </a:r>
-            <a:br/>
-            <a:r>
-              <a:rPr/>
-              <a:t>Vivamus lacinia odio vitae vestibulum vestibulum.</a:t>
-            </a:r>
-          </a:p>
-          <a:p>
-            <a:pPr lvl="0" indent="0" marL="0">
-              <a:buNone/>
-            </a:pPr>
-            <a:r>
-              <a:rPr b="1"/>
-              <a:t>Column 2</a:t>
-            </a:r>
-          </a:p>
-          <a:p>
-            <a:pPr lvl="0" indent="0" marL="0">
-              <a:buNone/>
-            </a:pPr>
-            <a:r>
-              <a:rPr/>
-              <a:t>Sed do eiusmod tempor incididunt ut labore et dolore magna aliqua.</a:t>
-            </a:r>
-            <a:br/>
-            <a:r>
-              <a:rPr/>
-              <a:t>Ut enim ad minim veniam, quis nostrud exercitation ullamco laboris.</a:t>
-            </a:r>
-          </a:p>
-          <a:p>
-            <a:pPr lvl="0" indent="0" marL="0">
-              <a:buNone/>
-            </a:pPr>
-            <a:r>
-              <a:rPr b="1"/>
-              <a:t>Column 3</a:t>
-            </a:r>
-          </a:p>
-          <a:p>
-            <a:pPr lvl="0" indent="0" marL="0">
-              <a:buNone/>
-            </a:pPr>
-            <a:r>
-              <a:rPr/>
-              <a:t>Duis aute irure dolor in reprehenderit in voluptate velit esse cillum dolore eu fugiat nulla pariatur.</a:t>
+          </a:p>
+          <a:p>
+            <a:pPr lvl="0"/>
+            <a:r>
+              <a:rPr/>
+              <a:t>First bullet point</a:t>
+            </a:r>
+          </a:p>
+          <a:p>
+            <a:pPr lvl="0"/>
+            <a:r>
+              <a:rPr/>
+              <a:t>Second bullet point</a:t>
+            </a:r>
+          </a:p>
+          <a:p>
+            <a:pPr lvl="0"/>
+            <a:r>
+              <a:rPr/>
+              <a:t>Third bullet point</a:t>
             </a:r>
           </a:p>
         </p:txBody>
@@ -6462,6 +6736,303 @@
 </file>
 
 <file path=ppt/slides/slide39.xml><?xml version="1.0" encoding="utf-8"?>
+<p:sld xmlns:a="http://schemas.openxmlformats.org/drawingml/2006/main" xmlns:r="http://schemas.openxmlformats.org/officeDocument/2006/relationships" xmlns:p="http://schemas.openxmlformats.org/presentationml/2006/main">
+  <p:cSld>
+    <p:spTree>
+      <p:nvGrpSpPr>
+        <p:cNvPr id="1" name=""/>
+        <p:cNvGrpSpPr/>
+        <p:nvPr/>
+      </p:nvGrpSpPr>
+      <p:grpSpPr>
+        <a:xfrm>
+          <a:off x="0" y="0"/>
+          <a:ext cx="0" cy="0"/>
+          <a:chOff x="0" y="0"/>
+          <a:chExt cx="0" cy="0"/>
+        </a:xfrm>
+      </p:grpSpPr>
+      <p:sp>
+        <p:nvSpPr>
+          <p:cNvPr id="3" name="Content Placeholder 2"/>
+          <p:cNvSpPr>
+            <a:spLocks noGrp="1"/>
+          </p:cNvSpPr>
+          <p:nvPr>
+            <p:ph idx="1"/>
+          </p:nvPr>
+        </p:nvSpPr>
+        <p:spPr/>
+        <p:txBody>
+          <a:bodyPr/>
+          <a:lstStyle/>
+          <a:p>
+            <a:pPr lvl="0" indent="0" marL="0">
+              <a:spcBef>
+                <a:spcPts val="3000"/>
+              </a:spcBef>
+              <a:buNone/>
+            </a:pPr>
+            <a:r>
+              <a:rPr b="1"/>
+              <a:t>Two-column text slide</a:t>
+            </a:r>
+          </a:p>
+          <a:p>
+            <a:pPr lvl="0" indent="0" marL="0">
+              <a:buNone/>
+            </a:pPr>
+            <a:r>
+              <a:rPr b="1"/>
+              <a:t>Column 1</a:t>
+            </a:r>
+          </a:p>
+          <a:p>
+            <a:pPr lvl="0" indent="0" marL="0">
+              <a:buNone/>
+            </a:pPr>
+            <a:r>
+              <a:rPr/>
+              <a:t>Lorem ipsum dolor sit amet, consectetur adipiscing elit.</a:t>
+            </a:r>
+            <a:br/>
+            <a:r>
+              <a:rPr/>
+              <a:t>Vivamus lacinia odio vitae vestibulum vestibulum.</a:t>
+            </a:r>
+            <a:br/>
+            <a:r>
+              <a:rPr/>
+              <a:t>Cras venenatis euismod malesuada.</a:t>
+            </a:r>
+          </a:p>
+          <a:p>
+            <a:pPr lvl="0" indent="0" marL="0">
+              <a:buNone/>
+            </a:pPr>
+            <a:r>
+              <a:rPr b="1"/>
+              <a:t>Column 2</a:t>
+            </a:r>
+          </a:p>
+          <a:p>
+            <a:pPr lvl="0" indent="0" marL="0">
+              <a:buNone/>
+            </a:pPr>
+            <a:r>
+              <a:rPr/>
+              <a:t>Sed do eiusmod tempor incididunt ut labore et dolore magna aliqua.</a:t>
+            </a:r>
+            <a:br/>
+            <a:r>
+              <a:rPr/>
+              <a:t>Ut enim ad minim veniam, quis nostrud exercitation ullamco laboris.</a:t>
+            </a:r>
+          </a:p>
+        </p:txBody>
+      </p:sp>
+    </p:spTree>
+  </p:cSld>
+</p:sld>
+</file>
+
+<file path=ppt/slides/slide4.xml><?xml version="1.0" encoding="utf-8"?>
+<p:sld xmlns:a="http://schemas.openxmlformats.org/drawingml/2006/main" xmlns:r="http://schemas.openxmlformats.org/officeDocument/2006/relationships" xmlns:p="http://schemas.openxmlformats.org/presentationml/2006/main">
+  <p:cSld>
+    <p:spTree>
+      <p:nvGrpSpPr>
+        <p:cNvPr id="1" name=""/>
+        <p:cNvGrpSpPr/>
+        <p:nvPr/>
+      </p:nvGrpSpPr>
+      <p:grpSpPr>
+        <a:xfrm>
+          <a:off x="0" y="0"/>
+          <a:ext cx="0" cy="0"/>
+          <a:chOff x="0" y="0"/>
+          <a:chExt cx="0" cy="0"/>
+        </a:xfrm>
+      </p:grpSpPr>
+      <p:sp>
+        <p:nvSpPr>
+          <p:cNvPr id="3" name="Content Placeholder 2"/>
+          <p:cNvSpPr>
+            <a:spLocks noGrp="1"/>
+          </p:cNvSpPr>
+          <p:nvPr>
+            <p:ph idx="1"/>
+          </p:nvPr>
+        </p:nvSpPr>
+        <p:spPr/>
+        <p:txBody>
+          <a:bodyPr/>
+          <a:lstStyle/>
+          <a:p>
+            <a:pPr lvl="0" indent="0" marL="0">
+              <a:spcBef>
+                <a:spcPts val="3000"/>
+              </a:spcBef>
+              <a:buNone/>
+            </a:pPr>
+            <a:r>
+              <a:rPr b="1"/>
+              <a:t>Questions from previous submodule</a:t>
+            </a:r>
+          </a:p>
+          <a:p>
+            <a:pPr lvl="0"/>
+            <a:r>
+              <a:rPr b="1"/>
+              <a:t>Aim</a:t>
+            </a:r>
+            <a:r>
+              <a:rPr/>
+              <a:t>: This first slide is dedicated to clarifying questions from the previous submodule and/or to discuss assignments.</a:t>
+            </a:r>
+          </a:p>
+          <a:p>
+            <a:pPr lvl="0"/>
+            <a:r>
+              <a:rPr/>
+              <a:t>Additional slides may need to be added depending on the nature of the homework assignments.</a:t>
+            </a:r>
+          </a:p>
+          <a:p>
+            <a:pPr lvl="0"/>
+            <a:r>
+              <a:rPr/>
+              <a:t>Critical for the learning process to ensure that students are on the same page and have been able to achieve the learning goals of the previous workshop.</a:t>
+            </a:r>
+          </a:p>
+          <a:p>
+            <a:pPr lvl="0"/>
+            <a:r>
+              <a:rPr/>
+              <a:t>Not applicable if this set of slides corresponds to the first submodule of a new module.</a:t>
+            </a:r>
+          </a:p>
+        </p:txBody>
+      </p:sp>
+    </p:spTree>
+  </p:cSld>
+</p:sld>
+</file>
+
+<file path=ppt/slides/slide40.xml><?xml version="1.0" encoding="utf-8"?>
+<p:sld xmlns:a="http://schemas.openxmlformats.org/drawingml/2006/main" xmlns:r="http://schemas.openxmlformats.org/officeDocument/2006/relationships" xmlns:p="http://schemas.openxmlformats.org/presentationml/2006/main">
+  <p:cSld>
+    <p:spTree>
+      <p:nvGrpSpPr>
+        <p:cNvPr id="1" name=""/>
+        <p:cNvGrpSpPr/>
+        <p:nvPr/>
+      </p:nvGrpSpPr>
+      <p:grpSpPr>
+        <a:xfrm>
+          <a:off x="0" y="0"/>
+          <a:ext cx="0" cy="0"/>
+          <a:chOff x="0" y="0"/>
+          <a:chExt cx="0" cy="0"/>
+        </a:xfrm>
+      </p:grpSpPr>
+      <p:sp>
+        <p:nvSpPr>
+          <p:cNvPr id="3" name="Content Placeholder 2"/>
+          <p:cNvSpPr>
+            <a:spLocks noGrp="1"/>
+          </p:cNvSpPr>
+          <p:nvPr>
+            <p:ph idx="1"/>
+          </p:nvPr>
+        </p:nvSpPr>
+        <p:spPr/>
+        <p:txBody>
+          <a:bodyPr/>
+          <a:lstStyle/>
+          <a:p>
+            <a:pPr lvl="0" indent="0" marL="0">
+              <a:spcBef>
+                <a:spcPts val="3000"/>
+              </a:spcBef>
+              <a:buNone/>
+            </a:pPr>
+            <a:r>
+              <a:rPr b="1"/>
+              <a:t>Three-column text slide</a:t>
+            </a:r>
+          </a:p>
+          <a:p>
+            <a:pPr lvl="0" indent="0" marL="0">
+              <a:buNone/>
+            </a:pPr>
+            <a:r>
+              <a:rPr b="1"/>
+              <a:t>Column 1</a:t>
+            </a:r>
+          </a:p>
+          <a:p>
+            <a:pPr lvl="0" indent="0" marL="0">
+              <a:buNone/>
+            </a:pPr>
+            <a:r>
+              <a:rPr/>
+              <a:t>Lorem ipsum dolor sit amet, consectetur adipiscing elit.</a:t>
+            </a:r>
+            <a:br/>
+            <a:r>
+              <a:rPr/>
+              <a:t>Vivamus lacinia odio vitae vestibulum vestibulum.</a:t>
+            </a:r>
+          </a:p>
+          <a:p>
+            <a:pPr lvl="0" indent="0" marL="0">
+              <a:buNone/>
+            </a:pPr>
+            <a:r>
+              <a:rPr b="1"/>
+              <a:t>Column 2</a:t>
+            </a:r>
+          </a:p>
+          <a:p>
+            <a:pPr lvl="0" indent="0" marL="0">
+              <a:buNone/>
+            </a:pPr>
+            <a:r>
+              <a:rPr/>
+              <a:t>Sed do eiusmod tempor incididunt ut labore et dolore magna aliqua.</a:t>
+            </a:r>
+            <a:br/>
+            <a:r>
+              <a:rPr/>
+              <a:t>Ut enim ad minim veniam, quis nostrud exercitation ullamco laboris.</a:t>
+            </a:r>
+          </a:p>
+          <a:p>
+            <a:pPr lvl="0" indent="0" marL="0">
+              <a:buNone/>
+            </a:pPr>
+            <a:r>
+              <a:rPr b="1"/>
+              <a:t>Column 3</a:t>
+            </a:r>
+          </a:p>
+          <a:p>
+            <a:pPr lvl="0" indent="0" marL="0">
+              <a:buNone/>
+            </a:pPr>
+            <a:r>
+              <a:rPr/>
+              <a:t>Duis aute irure dolor in reprehenderit in voluptate velit esse cillum dolore eu fugiat nulla pariatur.</a:t>
+            </a:r>
+          </a:p>
+        </p:txBody>
+      </p:sp>
+    </p:spTree>
+  </p:cSld>
+</p:sld>
+</file>
+
+<file path=ppt/slides/slide41.xml><?xml version="1.0" encoding="utf-8"?>
 <p:sld xmlns:a="http://schemas.openxmlformats.org/drawingml/2006/main" xmlns:r="http://schemas.openxmlformats.org/officeDocument/2006/relationships" xmlns:p="http://schemas.openxmlformats.org/presentationml/2006/main">
   <p:cSld>
     <p:spTree>
@@ -6778,90 +7349,7 @@
 </p:sld>
 </file>
 
-<file path=ppt/slides/slide4.xml><?xml version="1.0" encoding="utf-8"?>
-<p:sld xmlns:a="http://schemas.openxmlformats.org/drawingml/2006/main" xmlns:r="http://schemas.openxmlformats.org/officeDocument/2006/relationships" xmlns:p="http://schemas.openxmlformats.org/presentationml/2006/main">
-  <p:cSld>
-    <p:spTree>
-      <p:nvGrpSpPr>
-        <p:cNvPr id="1" name=""/>
-        <p:cNvGrpSpPr/>
-        <p:nvPr/>
-      </p:nvGrpSpPr>
-      <p:grpSpPr>
-        <a:xfrm>
-          <a:off x="0" y="0"/>
-          <a:ext cx="0" cy="0"/>
-          <a:chOff x="0" y="0"/>
-          <a:chExt cx="0" cy="0"/>
-        </a:xfrm>
-      </p:grpSpPr>
-      <p:sp>
-        <p:nvSpPr>
-          <p:cNvPr id="3" name="Content Placeholder 2"/>
-          <p:cNvSpPr>
-            <a:spLocks noGrp="1"/>
-          </p:cNvSpPr>
-          <p:nvPr>
-            <p:ph idx="1"/>
-          </p:nvPr>
-        </p:nvSpPr>
-        <p:spPr/>
-        <p:txBody>
-          <a:bodyPr/>
-          <a:lstStyle/>
-          <a:p>
-            <a:pPr lvl="0" indent="0" marL="0">
-              <a:buNone/>
-            </a:pPr>
-            <a:r>
-              <a:rPr b="1"/>
-              <a:t>What is your level of familiarity with [Topic] (e.g., basic concepts, terminology, or tools)?</a:t>
-            </a:r>
-          </a:p>
-          <a:p>
-            <a:pPr lvl="0" indent="-342900" marL="342900">
-              <a:buAutoNum type="alphaLcPeriod"/>
-            </a:pPr>
-            <a:r>
-              <a:rPr/>
-              <a:t>I have never heard of it before.</a:t>
-            </a:r>
-          </a:p>
-          <a:p>
-            <a:pPr lvl="0" indent="-342900" marL="342900">
-              <a:buAutoNum type="alphaLcPeriod"/>
-            </a:pPr>
-            <a:r>
-              <a:rPr/>
-              <a:t>I have heard of it but have never worked with it.</a:t>
-            </a:r>
-          </a:p>
-          <a:p>
-            <a:pPr lvl="0" indent="-342900" marL="342900">
-              <a:buAutoNum type="alphaLcPeriod"/>
-            </a:pPr>
-            <a:r>
-              <a:rPr/>
-              <a:t>I have basic understanding and experience with it.</a:t>
-            </a:r>
-          </a:p>
-          <a:p>
-            <a:pPr lvl="0" indent="-342900" marL="342900">
-              <a:buAutoNum type="alphaLcPeriod"/>
-            </a:pPr>
-            <a:r>
-              <a:rPr/>
-              <a:t>I am very familiar and have worked with it extensively.</a:t>
-            </a:r>
-          </a:p>
-        </p:txBody>
-      </p:sp>
-    </p:spTree>
-  </p:cSld>
-</p:sld>
-</file>
-
-<file path=ppt/slides/slide40.xml><?xml version="1.0" encoding="utf-8"?>
+<file path=ppt/slides/slide42.xml><?xml version="1.0" encoding="utf-8"?>
 <p:sld xmlns:a="http://schemas.openxmlformats.org/drawingml/2006/main" xmlns:r="http://schemas.openxmlformats.org/officeDocument/2006/relationships" xmlns:p="http://schemas.openxmlformats.org/presentationml/2006/main">
   <p:cSld>
     <p:spTree>
@@ -7178,7 +7666,7 @@
 </p:sld>
 </file>
 
-<file path=ppt/slides/slide41.xml><?xml version="1.0" encoding="utf-8"?>
+<file path=ppt/slides/slide43.xml><?xml version="1.0" encoding="utf-8"?>
 <p:sld xmlns:a="http://schemas.openxmlformats.org/drawingml/2006/main" xmlns:r="http://schemas.openxmlformats.org/officeDocument/2006/relationships" xmlns:p="http://schemas.openxmlformats.org/presentationml/2006/main">
   <p:cSld>
     <p:spTree>
@@ -7242,7 +7730,7 @@
 </p:sld>
 </file>
 
-<file path=ppt/slides/slide42.xml><?xml version="1.0" encoding="utf-8"?>
+<file path=ppt/slides/slide44.xml><?xml version="1.0" encoding="utf-8"?>
 <p:sld xmlns:a="http://schemas.openxmlformats.org/drawingml/2006/main" xmlns:r="http://schemas.openxmlformats.org/officeDocument/2006/relationships" xmlns:p="http://schemas.openxmlformats.org/presentationml/2006/main">
   <p:cSld>
     <p:spTree>
@@ -7301,7 +7789,7 @@
 </p:sld>
 </file>
 
-<file path=ppt/slides/slide43.xml><?xml version="1.0" encoding="utf-8"?>
+<file path=ppt/slides/slide45.xml><?xml version="1.0" encoding="utf-8"?>
 <p:sld xmlns:a="http://schemas.openxmlformats.org/drawingml/2006/main" xmlns:r="http://schemas.openxmlformats.org/officeDocument/2006/relationships" xmlns:p="http://schemas.openxmlformats.org/presentationml/2006/main">
   <p:cSld>
     <p:spTree>
@@ -7567,7 +8055,7 @@
 </p:sld>
 </file>
 
-<file path=ppt/slides/slide44.xml><?xml version="1.0" encoding="utf-8"?>
+<file path=ppt/slides/slide46.xml><?xml version="1.0" encoding="utf-8"?>
 <p:sld xmlns:a="http://schemas.openxmlformats.org/drawingml/2006/main" xmlns:r="http://schemas.openxmlformats.org/officeDocument/2006/relationships" xmlns:p="http://schemas.openxmlformats.org/presentationml/2006/main">
   <p:cSld>
     <p:spTree>
@@ -7725,7 +8213,7 @@
 </p:sld>
 </file>
 
-<file path=ppt/slides/slide45.xml><?xml version="1.0" encoding="utf-8"?>
+<file path=ppt/slides/slide47.xml><?xml version="1.0" encoding="utf-8"?>
 <p:sld xmlns:a="http://schemas.openxmlformats.org/drawingml/2006/main" xmlns:r="http://schemas.openxmlformats.org/officeDocument/2006/relationships" xmlns:p="http://schemas.openxmlformats.org/presentationml/2006/main">
   <p:cSld>
     <p:spTree>
@@ -7837,56 +8325,32 @@
           <a:lstStyle/>
           <a:p>
             <a:pPr lvl="0" indent="0" marL="0">
+              <a:spcBef>
+                <a:spcPts val="3000"/>
+              </a:spcBef>
               <a:buNone/>
             </a:pPr>
             <a:r>
               <a:rPr b="1"/>
-              <a:t>Which of the following concepts or skills do you feel most confident about in relation to [Topic]? (Select all that apply)</a:t>
-            </a:r>
-          </a:p>
-          <a:p>
-            <a:pPr lvl="0" indent="-342900" marL="342900">
-              <a:buAutoNum type="alphaLcPeriod"/>
-            </a:pPr>
-            <a:r>
-              <a:rPr/>
-              <a:t>Concept 1</a:t>
-            </a:r>
-          </a:p>
-          <a:p>
-            <a:pPr lvl="0" indent="-342900" marL="342900">
-              <a:buAutoNum type="alphaLcPeriod"/>
-            </a:pPr>
-            <a:r>
-              <a:rPr/>
-              <a:t>Concept 2</a:t>
-            </a:r>
-          </a:p>
-          <a:p>
-            <a:pPr lvl="0" indent="-342900" marL="342900">
-              <a:buAutoNum type="alphaLcPeriod"/>
-            </a:pPr>
-            <a:r>
-              <a:rPr/>
-              <a:t>Concept 3</a:t>
-            </a:r>
-          </a:p>
-          <a:p>
-            <a:pPr lvl="0" indent="-342900" marL="342900">
-              <a:buAutoNum type="alphaLcPeriod"/>
-            </a:pPr>
-            <a:r>
-              <a:rPr/>
-              <a:t>Concept 4</a:t>
-            </a:r>
-          </a:p>
-          <a:p>
-            <a:pPr lvl="0" indent="-342900" marL="342900">
-              <a:buAutoNum type="alphaLcPeriod"/>
-            </a:pPr>
-            <a:r>
-              <a:rPr/>
-              <a:t>I am not sure about any of these concepts.</a:t>
+              <a:t>Before we start: Survey time!</a:t>
+            </a:r>
+          </a:p>
+          <a:p>
+            <a:pPr lvl="0"/>
+            <a:r>
+              <a:rPr b="1"/>
+              <a:t>Aim</a:t>
+            </a:r>
+            <a:r>
+              <a:rPr/>
+              <a:t>: The pre-submodule survey serves to examine students’ prior knowledge about the sumodule’s topic.</a:t>
+            </a:r>
+          </a:p>
+          <a:p>
+            <a:pPr lvl="0"/>
+            <a:r>
+              <a:rPr/>
+              <a:t>Use free survey software such as or other survey software (particify, formR) to establish the following questions (shown on separate slides):</a:t>
             </a:r>
           </a:p>
         </p:txBody>
@@ -7933,7 +8397,7 @@
             </a:pPr>
             <a:r>
               <a:rPr b="1"/>
-              <a:t>On a scale of 1 to 5, how comfortable are you with using [specific tool/technology] related to [Topic]? (1 = Not comfortable at all, 5 = Very comfortable)</a:t>
+              <a:t>What is your level of familiarity with [Topic] (e.g., basic concepts, terminology, or tools)?</a:t>
             </a:r>
           </a:p>
           <a:p>
@@ -7942,7 +8406,7 @@
             </a:pPr>
             <a:r>
               <a:rPr/>
-              <a:t>1</a:t>
+              <a:t>I have never heard of it before.</a:t>
             </a:r>
           </a:p>
           <a:p>
@@ -7951,7 +8415,7 @@
             </a:pPr>
             <a:r>
               <a:rPr/>
-              <a:t>2</a:t>
+              <a:t>I have heard of it but have never worked with it.</a:t>
             </a:r>
           </a:p>
           <a:p>
@@ -7960,7 +8424,7 @@
             </a:pPr>
             <a:r>
               <a:rPr/>
-              <a:t>3</a:t>
+              <a:t>I have basic understanding and experience with it.</a:t>
             </a:r>
           </a:p>
           <a:p>
@@ -7969,16 +8433,7 @@
             </a:pPr>
             <a:r>
               <a:rPr/>
-              <a:t>4</a:t>
-            </a:r>
-          </a:p>
-          <a:p>
-            <a:pPr lvl="0" indent="-342900" marL="342900">
-              <a:buAutoNum type="alphaLcPeriod"/>
-            </a:pPr>
-            <a:r>
-              <a:rPr/>
-              <a:t>5</a:t>
+              <a:t>I am very familiar and have worked with it extensively.</a:t>
             </a:r>
           </a:p>
         </p:txBody>
@@ -8021,32 +8476,56 @@
           <a:lstStyle/>
           <a:p>
             <a:pPr lvl="0" indent="0" marL="0">
-              <a:spcBef>
-                <a:spcPts val="3000"/>
-              </a:spcBef>
               <a:buNone/>
             </a:pPr>
             <a:r>
               <a:rPr b="1"/>
-              <a:t>Discussion of survey results</a:t>
-            </a:r>
-          </a:p>
-          <a:p>
-            <a:pPr lvl="0"/>
-            <a:r>
-              <a:rPr b="1"/>
-              <a:t>Aim”</a:t>
-            </a:r>
-            <a:r>
-              <a:rPr/>
-              <a:t>: Briefly examine the answers given to each question interactively with the group.</a:t>
-            </a:r>
-          </a:p>
-          <a:p>
-            <a:pPr lvl="0"/>
-            <a:r>
-              <a:rPr/>
-              <a:t>Use visuals from the survey to highlight specific answers.</a:t>
+              <a:t>Which of the following concepts or skills do you feel most confident about in relation to [Topic]? (Select all that apply)</a:t>
+            </a:r>
+          </a:p>
+          <a:p>
+            <a:pPr lvl="0" indent="-342900" marL="342900">
+              <a:buAutoNum type="alphaLcPeriod"/>
+            </a:pPr>
+            <a:r>
+              <a:rPr/>
+              <a:t>Concept 1</a:t>
+            </a:r>
+          </a:p>
+          <a:p>
+            <a:pPr lvl="0" indent="-342900" marL="342900">
+              <a:buAutoNum type="alphaLcPeriod"/>
+            </a:pPr>
+            <a:r>
+              <a:rPr/>
+              <a:t>Concept 2</a:t>
+            </a:r>
+          </a:p>
+          <a:p>
+            <a:pPr lvl="0" indent="-342900" marL="342900">
+              <a:buAutoNum type="alphaLcPeriod"/>
+            </a:pPr>
+            <a:r>
+              <a:rPr/>
+              <a:t>Concept 3</a:t>
+            </a:r>
+          </a:p>
+          <a:p>
+            <a:pPr lvl="0" indent="-342900" marL="342900">
+              <a:buAutoNum type="alphaLcPeriod"/>
+            </a:pPr>
+            <a:r>
+              <a:rPr/>
+              <a:t>Concept 4</a:t>
+            </a:r>
+          </a:p>
+          <a:p>
+            <a:pPr lvl="0" indent="-342900" marL="342900">
+              <a:buAutoNum type="alphaLcPeriod"/>
+            </a:pPr>
+            <a:r>
+              <a:rPr/>
+              <a:t>I am not sure about any of these concepts.</a:t>
             </a:r>
           </a:p>
         </p:txBody>
@@ -8089,32 +8568,56 @@
           <a:lstStyle/>
           <a:p>
             <a:pPr lvl="0" indent="0" marL="0">
-              <a:spcBef>
-                <a:spcPts val="3000"/>
-              </a:spcBef>
               <a:buNone/>
             </a:pPr>
             <a:r>
               <a:rPr b="1"/>
-              <a:t>Where are we at?</a:t>
-            </a:r>
-          </a:p>
-          <a:p>
-            <a:pPr lvl="0"/>
-            <a:r>
-              <a:rPr b="1"/>
-              <a:t>Aim</a:t>
-            </a:r>
-            <a:r>
-              <a:rPr/>
-              <a:t>: Place the topic of the current submodule within a broader context.</a:t>
-            </a:r>
-          </a:p>
-          <a:p>
-            <a:pPr lvl="0"/>
-            <a:r>
-              <a:rPr/>
-              <a:t>Remind students what you are working towards and what the bigger picture is.</a:t>
+              <a:t>On a scale of 1 to 5, how comfortable are you with using [specific tool/technology] related to [Topic]? (1 = Not comfortable at all, 5 = Very comfortable)</a:t>
+            </a:r>
+          </a:p>
+          <a:p>
+            <a:pPr lvl="0" indent="-342900" marL="342900">
+              <a:buAutoNum type="alphaLcPeriod"/>
+            </a:pPr>
+            <a:r>
+              <a:rPr/>
+              <a:t>1</a:t>
+            </a:r>
+          </a:p>
+          <a:p>
+            <a:pPr lvl="0" indent="-342900" marL="342900">
+              <a:buAutoNum type="alphaLcPeriod"/>
+            </a:pPr>
+            <a:r>
+              <a:rPr/>
+              <a:t>2</a:t>
+            </a:r>
+          </a:p>
+          <a:p>
+            <a:pPr lvl="0" indent="-342900" marL="342900">
+              <a:buAutoNum type="alphaLcPeriod"/>
+            </a:pPr>
+            <a:r>
+              <a:rPr/>
+              <a:t>3</a:t>
+            </a:r>
+          </a:p>
+          <a:p>
+            <a:pPr lvl="0" indent="-342900" marL="342900">
+              <a:buAutoNum type="alphaLcPeriod"/>
+            </a:pPr>
+            <a:r>
+              <a:rPr/>
+              <a:t>4</a:t>
+            </a:r>
+          </a:p>
+          <a:p>
+            <a:pPr lvl="0" indent="-342900" marL="342900">
+              <a:buAutoNum type="alphaLcPeriod"/>
+            </a:pPr>
+            <a:r>
+              <a:rPr/>
+              <a:t>5</a:t>
             </a:r>
           </a:p>
         </p:txBody>
@@ -8164,70 +8667,25 @@
             </a:pPr>
             <a:r>
               <a:rPr b="1"/>
-              <a:t>Learning goals</a:t>
+              <a:t>Discussion of survey results</a:t>
             </a:r>
           </a:p>
           <a:p>
             <a:pPr lvl="0"/>
             <a:r>
               <a:rPr b="1"/>
-              <a:t>Aim</a:t>
-            </a:r>
-            <a:r>
-              <a:rPr/>
-              <a:t>: Formulate specific, action-oriented goals learning goals which are measurable and observable in line with Bloom’s taxonomy (Anderson et al., 2001; Bloom et al., 1956)</a:t>
+              <a:t>Aim”</a:t>
+            </a:r>
+            <a:r>
+              <a:rPr/>
+              <a:t>: Briefly examine the answers given to each question interactively with the group.</a:t>
             </a:r>
           </a:p>
           <a:p>
             <a:pPr lvl="0"/>
             <a:r>
               <a:rPr/>
-              <a:t>Place an emphasis on the </a:t>
-            </a:r>
-            <a:r>
-              <a:rPr b="1"/>
-              <a:t>verbs</a:t>
-            </a:r>
-            <a:r>
-              <a:rPr/>
-              <a:t> of the learning goals and choose verbs that align with the skills you want to develop or assess.</a:t>
-            </a:r>
-          </a:p>
-          <a:p>
-            <a:pPr lvl="0"/>
-            <a:r>
-              <a:rPr/>
-              <a:t>Examples:</a:t>
-            </a:r>
-          </a:p>
-          <a:p>
-            <a:pPr lvl="1"/>
-            <a:r>
-              <a:rPr/>
-              <a:t>Students will </a:t>
-            </a:r>
-            <a:r>
-              <a:rPr b="1"/>
-              <a:t>describe</a:t>
-            </a:r>
-            <a:r>
-              <a:rPr/>
-              <a:t> the process of photosynthesis or</a:t>
-            </a:r>
-          </a:p>
-          <a:p>
-            <a:pPr lvl="1"/>
-            <a:r>
-              <a:rPr/>
-              <a:t>Students will </a:t>
-            </a:r>
-            <a:r>
-              <a:rPr b="1"/>
-              <a:t>construct</a:t>
-            </a:r>
-            <a:r>
-              <a:rPr/>
-              <a:t> a diagram illustrating the process of photosynthesis</a:t>
+              <a:t>Use visuals from the survey to highlight specific answers.</a:t>
             </a:r>
           </a:p>
         </p:txBody>
